--- a/컨셉PT_Serious_임경태.pptx
+++ b/컨셉PT_Serious_임경태.pptx
@@ -13,8 +13,14 @@
     <p:sldId id="262" r:id="rId7"/>
     <p:sldId id="263" r:id="rId8"/>
     <p:sldId id="265" r:id="rId9"/>
-    <p:sldId id="261" r:id="rId10"/>
-    <p:sldId id="264" r:id="rId11"/>
+    <p:sldId id="268" r:id="rId10"/>
+    <p:sldId id="261" r:id="rId11"/>
+    <p:sldId id="270" r:id="rId12"/>
+    <p:sldId id="271" r:id="rId13"/>
+    <p:sldId id="269" r:id="rId14"/>
+    <p:sldId id="272" r:id="rId15"/>
+    <p:sldId id="273" r:id="rId16"/>
+    <p:sldId id="274" r:id="rId17"/>
   </p:sldIdLst>
   <p:sldSz cx="12192000" cy="6858000"/>
   <p:notesSz cx="6858000" cy="9144000"/>
@@ -252,7 +258,7 @@
           <a:p>
             <a:fld id="{E166DFF0-FC56-491F-ADBB-467B1249CE05}" type="datetimeFigureOut">
               <a:rPr lang="ko-KR" altLang="en-US" smtClean="0"/>
-              <a:t>2020-07-31</a:t>
+              <a:t>2020-08-01</a:t>
             </a:fld>
             <a:endParaRPr lang="ko-KR" altLang="en-US"/>
           </a:p>
@@ -422,7 +428,7 @@
           <a:p>
             <a:fld id="{E166DFF0-FC56-491F-ADBB-467B1249CE05}" type="datetimeFigureOut">
               <a:rPr lang="ko-KR" altLang="en-US" smtClean="0"/>
-              <a:t>2020-07-31</a:t>
+              <a:t>2020-08-01</a:t>
             </a:fld>
             <a:endParaRPr lang="ko-KR" altLang="en-US"/>
           </a:p>
@@ -602,7 +608,7 @@
           <a:p>
             <a:fld id="{E166DFF0-FC56-491F-ADBB-467B1249CE05}" type="datetimeFigureOut">
               <a:rPr lang="ko-KR" altLang="en-US" smtClean="0"/>
-              <a:t>2020-07-31</a:t>
+              <a:t>2020-08-01</a:t>
             </a:fld>
             <a:endParaRPr lang="ko-KR" altLang="en-US"/>
           </a:p>
@@ -772,7 +778,7 @@
           <a:p>
             <a:fld id="{E166DFF0-FC56-491F-ADBB-467B1249CE05}" type="datetimeFigureOut">
               <a:rPr lang="ko-KR" altLang="en-US" smtClean="0"/>
-              <a:t>2020-07-31</a:t>
+              <a:t>2020-08-01</a:t>
             </a:fld>
             <a:endParaRPr lang="ko-KR" altLang="en-US"/>
           </a:p>
@@ -1018,7 +1024,7 @@
           <a:p>
             <a:fld id="{E166DFF0-FC56-491F-ADBB-467B1249CE05}" type="datetimeFigureOut">
               <a:rPr lang="ko-KR" altLang="en-US" smtClean="0"/>
-              <a:t>2020-07-31</a:t>
+              <a:t>2020-08-01</a:t>
             </a:fld>
             <a:endParaRPr lang="ko-KR" altLang="en-US"/>
           </a:p>
@@ -1250,7 +1256,7 @@
           <a:p>
             <a:fld id="{E166DFF0-FC56-491F-ADBB-467B1249CE05}" type="datetimeFigureOut">
               <a:rPr lang="ko-KR" altLang="en-US" smtClean="0"/>
-              <a:t>2020-07-31</a:t>
+              <a:t>2020-08-01</a:t>
             </a:fld>
             <a:endParaRPr lang="ko-KR" altLang="en-US"/>
           </a:p>
@@ -1617,7 +1623,7 @@
           <a:p>
             <a:fld id="{E166DFF0-FC56-491F-ADBB-467B1249CE05}" type="datetimeFigureOut">
               <a:rPr lang="ko-KR" altLang="en-US" smtClean="0"/>
-              <a:t>2020-07-31</a:t>
+              <a:t>2020-08-01</a:t>
             </a:fld>
             <a:endParaRPr lang="ko-KR" altLang="en-US"/>
           </a:p>
@@ -1735,7 +1741,7 @@
           <a:p>
             <a:fld id="{E166DFF0-FC56-491F-ADBB-467B1249CE05}" type="datetimeFigureOut">
               <a:rPr lang="ko-KR" altLang="en-US" smtClean="0"/>
-              <a:t>2020-07-31</a:t>
+              <a:t>2020-08-01</a:t>
             </a:fld>
             <a:endParaRPr lang="ko-KR" altLang="en-US"/>
           </a:p>
@@ -1830,7 +1836,7 @@
           <a:p>
             <a:fld id="{E166DFF0-FC56-491F-ADBB-467B1249CE05}" type="datetimeFigureOut">
               <a:rPr lang="ko-KR" altLang="en-US" smtClean="0"/>
-              <a:t>2020-07-31</a:t>
+              <a:t>2020-08-01</a:t>
             </a:fld>
             <a:endParaRPr lang="ko-KR" altLang="en-US"/>
           </a:p>
@@ -2107,7 +2113,7 @@
           <a:p>
             <a:fld id="{E166DFF0-FC56-491F-ADBB-467B1249CE05}" type="datetimeFigureOut">
               <a:rPr lang="ko-KR" altLang="en-US" smtClean="0"/>
-              <a:t>2020-07-31</a:t>
+              <a:t>2020-08-01</a:t>
             </a:fld>
             <a:endParaRPr lang="ko-KR" altLang="en-US"/>
           </a:p>
@@ -2360,7 +2366,7 @@
           <a:p>
             <a:fld id="{E166DFF0-FC56-491F-ADBB-467B1249CE05}" type="datetimeFigureOut">
               <a:rPr lang="ko-KR" altLang="en-US" smtClean="0"/>
-              <a:t>2020-07-31</a:t>
+              <a:t>2020-08-01</a:t>
             </a:fld>
             <a:endParaRPr lang="ko-KR" altLang="en-US"/>
           </a:p>
@@ -2573,7 +2579,7 @@
           <a:p>
             <a:fld id="{E166DFF0-FC56-491F-ADBB-467B1249CE05}" type="datetimeFigureOut">
               <a:rPr lang="ko-KR" altLang="en-US" smtClean="0"/>
-              <a:t>2020-07-31</a:t>
+              <a:t>2020-08-01</a:t>
             </a:fld>
             <a:endParaRPr lang="ko-KR" altLang="en-US"/>
           </a:p>
@@ -3028,9 +3034,7 @@
             </a:schemeClr>
           </a:solidFill>
           <a:ln w="28575">
-            <a:solidFill>
-              <a:schemeClr val="tx1"/>
-            </a:solidFill>
+            <a:noFill/>
           </a:ln>
         </p:spPr>
         <p:style>
@@ -3225,108 +3229,6 @@
           </a:p>
         </p:txBody>
       </p:sp>
-      <p:grpSp>
-        <p:nvGrpSpPr>
-          <p:cNvPr id="4" name="그룹 3"/>
-          <p:cNvGrpSpPr/>
-          <p:nvPr/>
-        </p:nvGrpSpPr>
-        <p:grpSpPr>
-          <a:xfrm>
-            <a:off x="804590" y="164144"/>
-            <a:ext cx="3093155" cy="646331"/>
-            <a:chOff x="804590" y="164144"/>
-            <a:chExt cx="3093155" cy="646331"/>
-          </a:xfrm>
-        </p:grpSpPr>
-        <p:sp>
-          <p:nvSpPr>
-            <p:cNvPr id="12" name="TextBox 11"/>
-            <p:cNvSpPr txBox="1"/>
-            <p:nvPr/>
-          </p:nvSpPr>
-          <p:spPr>
-            <a:xfrm>
-              <a:off x="804590" y="164144"/>
-              <a:ext cx="3093155" cy="646331"/>
-            </a:xfrm>
-            <a:prstGeom prst="rect">
-              <a:avLst/>
-            </a:prstGeom>
-            <a:noFill/>
-          </p:spPr>
-          <p:txBody>
-            <a:bodyPr wrap="square" rtlCol="0">
-              <a:spAutoFit/>
-            </a:bodyPr>
-            <a:lstStyle/>
-            <a:p>
-              <a:r>
-                <a:rPr lang="en-US" altLang="ko-KR" sz="3600" b="1" dirty="0" smtClean="0">
-                  <a:latin typeface="Arial Black" panose="020B0A04020102020204" pitchFamily="34" charset="0"/>
-                </a:rPr>
-                <a:t>Concept</a:t>
-              </a:r>
-              <a:r>
-                <a:rPr lang="ko-KR" altLang="en-US" sz="3600" b="1" dirty="0" smtClean="0">
-                  <a:latin typeface="Arial Black" panose="020B0A04020102020204" pitchFamily="34" charset="0"/>
-                </a:rPr>
-                <a:t> </a:t>
-              </a:r>
-              <a:r>
-                <a:rPr lang="en-US" altLang="ko-KR" sz="3600" b="1" dirty="0" smtClean="0">
-                  <a:latin typeface="Arial Black" panose="020B0A04020102020204" pitchFamily="34" charset="0"/>
-                </a:rPr>
-                <a:t>PT</a:t>
-              </a:r>
-              <a:r>
-                <a:rPr lang="ko-KR" altLang="en-US" sz="3600" b="1" dirty="0" smtClean="0">
-                  <a:latin typeface="Arial Black" panose="020B0A04020102020204" pitchFamily="34" charset="0"/>
-                </a:rPr>
-                <a:t> </a:t>
-              </a:r>
-              <a:endParaRPr lang="ko-KR" altLang="en-US" sz="3600" b="1" dirty="0">
-                <a:latin typeface="Arial Black" panose="020B0A04020102020204" pitchFamily="34" charset="0"/>
-              </a:endParaRPr>
-            </a:p>
-          </p:txBody>
-        </p:sp>
-        <p:cxnSp>
-          <p:nvCxnSpPr>
-            <p:cNvPr id="3" name="직선 연결선 2"/>
-            <p:cNvCxnSpPr/>
-            <p:nvPr/>
-          </p:nvCxnSpPr>
-          <p:spPr>
-            <a:xfrm>
-              <a:off x="932873" y="775701"/>
-              <a:ext cx="2835563" cy="0"/>
-            </a:xfrm>
-            <a:prstGeom prst="line">
-              <a:avLst/>
-            </a:prstGeom>
-            <a:ln w="38100">
-              <a:solidFill>
-                <a:schemeClr val="tx1"/>
-              </a:solidFill>
-            </a:ln>
-          </p:spPr>
-          <p:style>
-            <a:lnRef idx="1">
-              <a:schemeClr val="accent1"/>
-            </a:lnRef>
-            <a:fillRef idx="0">
-              <a:schemeClr val="accent1"/>
-            </a:fillRef>
-            <a:effectRef idx="0">
-              <a:schemeClr val="accent1"/>
-            </a:effectRef>
-            <a:fontRef idx="minor">
-              <a:schemeClr val="tx1"/>
-            </a:fontRef>
-          </p:style>
-        </p:cxnSp>
-      </p:grpSp>
     </p:spTree>
     <p:extLst>
       <p:ext uri="{BB962C8B-B14F-4D97-AF65-F5344CB8AC3E}">
@@ -3366,28 +3268,130 @@
       </p:grpSpPr>
       <p:grpSp>
         <p:nvGrpSpPr>
-          <p:cNvPr id="5" name="그룹 4"/>
+          <p:cNvPr id="10" name="그룹 9"/>
           <p:cNvGrpSpPr/>
           <p:nvPr/>
         </p:nvGrpSpPr>
         <p:grpSpPr>
           <a:xfrm>
-            <a:off x="268881" y="145918"/>
-            <a:ext cx="3093155" cy="646331"/>
-            <a:chOff x="268881" y="145918"/>
-            <a:chExt cx="3093155" cy="646331"/>
+            <a:off x="268881" y="2128548"/>
+            <a:ext cx="6048375" cy="3110687"/>
+            <a:chOff x="268881" y="2128548"/>
+            <a:chExt cx="6048375" cy="3110687"/>
           </a:xfrm>
         </p:grpSpPr>
+        <p:pic>
+          <p:nvPicPr>
+            <p:cNvPr id="8" name="그림 7"/>
+            <p:cNvPicPr>
+              <a:picLocks noChangeAspect="1"/>
+            </p:cNvPicPr>
+            <p:nvPr/>
+          </p:nvPicPr>
+          <p:blipFill>
+            <a:blip r:embed="rId2"/>
+            <a:stretch>
+              <a:fillRect/>
+            </a:stretch>
+          </p:blipFill>
+          <p:spPr>
+            <a:xfrm>
+              <a:off x="268881" y="2128548"/>
+              <a:ext cx="6048375" cy="2833688"/>
+            </a:xfrm>
+            <a:prstGeom prst="rect">
+              <a:avLst/>
+            </a:prstGeom>
+            <a:ln>
+              <a:solidFill>
+                <a:schemeClr val="tx1"/>
+              </a:solidFill>
+            </a:ln>
+          </p:spPr>
+        </p:pic>
         <p:sp>
           <p:nvSpPr>
-            <p:cNvPr id="6" name="TextBox 5"/>
+            <p:cNvPr id="9" name="TextBox 8"/>
             <p:cNvSpPr txBox="1"/>
             <p:nvPr/>
           </p:nvSpPr>
           <p:spPr>
             <a:xfrm>
-              <a:off x="268881" y="145918"/>
-              <a:ext cx="3093155" cy="646331"/>
+              <a:off x="268881" y="4962236"/>
+              <a:ext cx="4199676" cy="276999"/>
+            </a:xfrm>
+            <a:prstGeom prst="rect">
+              <a:avLst/>
+            </a:prstGeom>
+            <a:noFill/>
+          </p:spPr>
+          <p:txBody>
+            <a:bodyPr wrap="none" rtlCol="0">
+              <a:spAutoFit/>
+            </a:bodyPr>
+            <a:lstStyle/>
+            <a:p>
+              <a:r>
+                <a:rPr lang="en-US" altLang="ko-KR" sz="1200" dirty="0" smtClean="0">
+                  <a:latin typeface="+mn-ea"/>
+                </a:rPr>
+                <a:t>* 2019</a:t>
+              </a:r>
+              <a:r>
+                <a:rPr lang="ko-KR" altLang="en-US" sz="1200" dirty="0" smtClean="0">
+                  <a:latin typeface="+mn-ea"/>
+                </a:rPr>
+                <a:t>년 기능성게임 사업체 및 </a:t>
+              </a:r>
+              <a:r>
+                <a:rPr lang="ko-KR" altLang="en-US" sz="1200" dirty="0" err="1" smtClean="0">
+                  <a:latin typeface="+mn-ea"/>
+                </a:rPr>
+                <a:t>수요처</a:t>
+              </a:r>
+              <a:r>
+                <a:rPr lang="ko-KR" altLang="en-US" sz="1200" dirty="0" smtClean="0">
+                  <a:latin typeface="+mn-ea"/>
+                </a:rPr>
+                <a:t> 현황조사 </a:t>
+              </a:r>
+              <a:r>
+                <a:rPr lang="en-US" altLang="ko-KR" sz="1200" dirty="0" smtClean="0">
+                  <a:latin typeface="+mn-ea"/>
+                </a:rPr>
+                <a:t>- KOCCA</a:t>
+              </a:r>
+              <a:endParaRPr lang="ko-KR" altLang="en-US" sz="1200" dirty="0">
+                <a:latin typeface="+mn-ea"/>
+              </a:endParaRPr>
+            </a:p>
+          </p:txBody>
+        </p:sp>
+      </p:grpSp>
+      <p:grpSp>
+        <p:nvGrpSpPr>
+          <p:cNvPr id="19" name="그룹 18"/>
+          <p:cNvGrpSpPr/>
+          <p:nvPr/>
+        </p:nvGrpSpPr>
+        <p:grpSpPr>
+          <a:xfrm>
+            <a:off x="387926" y="230161"/>
+            <a:ext cx="2346038" cy="684000"/>
+            <a:chOff x="387926" y="230161"/>
+            <a:chExt cx="2346038" cy="684000"/>
+          </a:xfrm>
+        </p:grpSpPr>
+        <p:sp>
+          <p:nvSpPr>
+            <p:cNvPr id="20" name="TextBox 19"/>
+            <p:cNvSpPr txBox="1"/>
+            <p:nvPr/>
+          </p:nvSpPr>
+          <p:spPr>
+            <a:xfrm>
+              <a:off x="566280" y="248602"/>
+              <a:ext cx="2167684" cy="646331"/>
             </a:xfrm>
             <a:prstGeom prst="rect">
               <a:avLst/>
@@ -3404,7 +3408,7 @@
                 <a:rPr lang="ko-KR" altLang="en-US" sz="3600" b="1" dirty="0" smtClean="0">
                   <a:latin typeface="Arial Black" panose="020B0A04020102020204" pitchFamily="34" charset="0"/>
                 </a:rPr>
-                <a:t>제작 계획</a:t>
+                <a:t>수익화</a:t>
               </a:r>
               <a:endParaRPr lang="ko-KR" altLang="en-US" sz="3600" b="1" dirty="0">
                 <a:latin typeface="Arial Black" panose="020B0A04020102020204" pitchFamily="34" charset="0"/>
@@ -3414,19 +3418,19 @@
         </p:sp>
         <p:cxnSp>
           <p:nvCxnSpPr>
-            <p:cNvPr id="7" name="직선 연결선 6"/>
+            <p:cNvPr id="21" name="직선 연결선 20"/>
             <p:cNvCxnSpPr/>
             <p:nvPr/>
           </p:nvCxnSpPr>
           <p:spPr>
             <a:xfrm>
-              <a:off x="397164" y="757475"/>
-              <a:ext cx="1980000" cy="0"/>
+              <a:off x="387926" y="230161"/>
+              <a:ext cx="0" cy="684000"/>
             </a:xfrm>
             <a:prstGeom prst="line">
               <a:avLst/>
             </a:prstGeom>
-            <a:ln w="38100">
+            <a:ln w="63500">
               <a:solidFill>
                 <a:schemeClr val="tx1"/>
               </a:solidFill>
@@ -3451,7 +3455,2186 @@
     </p:spTree>
     <p:extLst>
       <p:ext uri="{BB962C8B-B14F-4D97-AF65-F5344CB8AC3E}">
-        <p14:creationId xmlns:p14="http://schemas.microsoft.com/office/powerpoint/2010/main" val="1674735186"/>
+        <p14:creationId xmlns:p14="http://schemas.microsoft.com/office/powerpoint/2010/main" val="3872720070"/>
+      </p:ext>
+    </p:extLst>
+  </p:cSld>
+  <p:clrMapOvr>
+    <a:masterClrMapping/>
+  </p:clrMapOvr>
+  <p:timing>
+    <p:tnLst>
+      <p:par>
+        <p:cTn id="1" dur="indefinite" restart="never" nodeType="tmRoot"/>
+      </p:par>
+    </p:tnLst>
+  </p:timing>
+</p:sld>
+</file>
+
+<file path=ppt/slides/slide11.xml><?xml version="1.0" encoding="utf-8"?>
+<p:sld xmlns:a="http://schemas.openxmlformats.org/drawingml/2006/main" xmlns:r="http://schemas.openxmlformats.org/officeDocument/2006/relationships" xmlns:p="http://schemas.openxmlformats.org/presentationml/2006/main">
+  <p:cSld>
+    <p:spTree>
+      <p:nvGrpSpPr>
+        <p:cNvPr id="1" name=""/>
+        <p:cNvGrpSpPr/>
+        <p:nvPr/>
+      </p:nvGrpSpPr>
+      <p:grpSpPr>
+        <a:xfrm>
+          <a:off x="0" y="0"/>
+          <a:ext cx="0" cy="0"/>
+          <a:chOff x="0" y="0"/>
+          <a:chExt cx="0" cy="0"/>
+        </a:xfrm>
+      </p:grpSpPr>
+      <p:grpSp>
+        <p:nvGrpSpPr>
+          <p:cNvPr id="10" name="그룹 9"/>
+          <p:cNvGrpSpPr/>
+          <p:nvPr/>
+        </p:nvGrpSpPr>
+        <p:grpSpPr>
+          <a:xfrm>
+            <a:off x="268881" y="2128548"/>
+            <a:ext cx="6048375" cy="3110687"/>
+            <a:chOff x="268881" y="2128548"/>
+            <a:chExt cx="6048375" cy="3110687"/>
+          </a:xfrm>
+        </p:grpSpPr>
+        <p:pic>
+          <p:nvPicPr>
+            <p:cNvPr id="8" name="그림 7"/>
+            <p:cNvPicPr>
+              <a:picLocks noChangeAspect="1"/>
+            </p:cNvPicPr>
+            <p:nvPr/>
+          </p:nvPicPr>
+          <p:blipFill>
+            <a:blip r:embed="rId2"/>
+            <a:stretch>
+              <a:fillRect/>
+            </a:stretch>
+          </p:blipFill>
+          <p:spPr>
+            <a:xfrm>
+              <a:off x="268881" y="2128548"/>
+              <a:ext cx="6048375" cy="2833688"/>
+            </a:xfrm>
+            <a:prstGeom prst="rect">
+              <a:avLst/>
+            </a:prstGeom>
+            <a:ln>
+              <a:solidFill>
+                <a:schemeClr val="tx1"/>
+              </a:solidFill>
+            </a:ln>
+          </p:spPr>
+        </p:pic>
+        <p:sp>
+          <p:nvSpPr>
+            <p:cNvPr id="9" name="TextBox 8"/>
+            <p:cNvSpPr txBox="1"/>
+            <p:nvPr/>
+          </p:nvSpPr>
+          <p:spPr>
+            <a:xfrm>
+              <a:off x="268881" y="4962236"/>
+              <a:ext cx="4199676" cy="276999"/>
+            </a:xfrm>
+            <a:prstGeom prst="rect">
+              <a:avLst/>
+            </a:prstGeom>
+            <a:noFill/>
+          </p:spPr>
+          <p:txBody>
+            <a:bodyPr wrap="none" rtlCol="0">
+              <a:spAutoFit/>
+            </a:bodyPr>
+            <a:lstStyle/>
+            <a:p>
+              <a:r>
+                <a:rPr lang="en-US" altLang="ko-KR" sz="1200" dirty="0" smtClean="0">
+                  <a:latin typeface="+mn-ea"/>
+                </a:rPr>
+                <a:t>* 2019</a:t>
+              </a:r>
+              <a:r>
+                <a:rPr lang="ko-KR" altLang="en-US" sz="1200" dirty="0" smtClean="0">
+                  <a:latin typeface="+mn-ea"/>
+                </a:rPr>
+                <a:t>년 기능성게임 사업체 및 </a:t>
+              </a:r>
+              <a:r>
+                <a:rPr lang="ko-KR" altLang="en-US" sz="1200" dirty="0" err="1" smtClean="0">
+                  <a:latin typeface="+mn-ea"/>
+                </a:rPr>
+                <a:t>수요처</a:t>
+              </a:r>
+              <a:r>
+                <a:rPr lang="ko-KR" altLang="en-US" sz="1200" dirty="0" smtClean="0">
+                  <a:latin typeface="+mn-ea"/>
+                </a:rPr>
+                <a:t> 현황조사 </a:t>
+              </a:r>
+              <a:r>
+                <a:rPr lang="en-US" altLang="ko-KR" sz="1200" dirty="0" smtClean="0">
+                  <a:latin typeface="+mn-ea"/>
+                </a:rPr>
+                <a:t>- KOCCA</a:t>
+              </a:r>
+              <a:endParaRPr lang="ko-KR" altLang="en-US" sz="1200" dirty="0">
+                <a:latin typeface="+mn-ea"/>
+              </a:endParaRPr>
+            </a:p>
+          </p:txBody>
+        </p:sp>
+      </p:grpSp>
+      <p:grpSp>
+        <p:nvGrpSpPr>
+          <p:cNvPr id="18" name="그룹 17"/>
+          <p:cNvGrpSpPr/>
+          <p:nvPr/>
+        </p:nvGrpSpPr>
+        <p:grpSpPr>
+          <a:xfrm>
+            <a:off x="6746876" y="145918"/>
+            <a:ext cx="4918837" cy="3326863"/>
+            <a:chOff x="6746876" y="145918"/>
+            <a:chExt cx="4918837" cy="3326863"/>
+          </a:xfrm>
+        </p:grpSpPr>
+        <p:pic>
+          <p:nvPicPr>
+            <p:cNvPr id="12" name="그림 11"/>
+            <p:cNvPicPr>
+              <a:picLocks noChangeAspect="1"/>
+            </p:cNvPicPr>
+            <p:nvPr/>
+          </p:nvPicPr>
+          <p:blipFill>
+            <a:blip r:embed="rId3"/>
+            <a:stretch>
+              <a:fillRect/>
+            </a:stretch>
+          </p:blipFill>
+          <p:spPr>
+            <a:xfrm>
+              <a:off x="6746877" y="145918"/>
+              <a:ext cx="4918836" cy="3049864"/>
+            </a:xfrm>
+            <a:prstGeom prst="rect">
+              <a:avLst/>
+            </a:prstGeom>
+            <a:ln>
+              <a:solidFill>
+                <a:schemeClr val="tx1"/>
+              </a:solidFill>
+            </a:ln>
+          </p:spPr>
+        </p:pic>
+        <p:sp>
+          <p:nvSpPr>
+            <p:cNvPr id="15" name="TextBox 14"/>
+            <p:cNvSpPr txBox="1"/>
+            <p:nvPr/>
+          </p:nvSpPr>
+          <p:spPr>
+            <a:xfrm>
+              <a:off x="6746876" y="3195782"/>
+              <a:ext cx="3464410" cy="276999"/>
+            </a:xfrm>
+            <a:prstGeom prst="rect">
+              <a:avLst/>
+            </a:prstGeom>
+            <a:noFill/>
+          </p:spPr>
+          <p:txBody>
+            <a:bodyPr wrap="none" rtlCol="0">
+              <a:spAutoFit/>
+            </a:bodyPr>
+            <a:lstStyle/>
+            <a:p>
+              <a:r>
+                <a:rPr lang="en-US" altLang="ko-KR" sz="1200" dirty="0" smtClean="0">
+                  <a:latin typeface="+mn-ea"/>
+                </a:rPr>
+                <a:t>* </a:t>
+              </a:r>
+              <a:r>
+                <a:rPr lang="ko-KR" altLang="en-US" sz="1200" dirty="0" err="1" smtClean="0">
+                  <a:latin typeface="+mn-ea"/>
+                </a:rPr>
+                <a:t>매쓰고</a:t>
+              </a:r>
+              <a:r>
+                <a:rPr lang="ko-KR" altLang="en-US" sz="1200" dirty="0" smtClean="0">
+                  <a:latin typeface="+mn-ea"/>
+                </a:rPr>
+                <a:t> 보드게임 시리즈 </a:t>
+              </a:r>
+              <a:r>
+                <a:rPr lang="en-US" altLang="ko-KR" sz="1200" dirty="0" smtClean="0">
+                  <a:latin typeface="+mn-ea"/>
+                </a:rPr>
+                <a:t>– </a:t>
+              </a:r>
+              <a:r>
+                <a:rPr lang="ko-KR" altLang="en-US" sz="1200" dirty="0" err="1" smtClean="0">
+                  <a:latin typeface="+mn-ea"/>
+                </a:rPr>
+                <a:t>시매쓰출판</a:t>
+              </a:r>
+              <a:r>
+                <a:rPr lang="en-US" altLang="ko-KR" sz="1200" dirty="0" smtClean="0">
+                  <a:latin typeface="+mn-ea"/>
+                </a:rPr>
+                <a:t>(</a:t>
+              </a:r>
+              <a:r>
+                <a:rPr lang="en-US" altLang="ko-KR" sz="1200" dirty="0" err="1" smtClean="0">
+                  <a:latin typeface="+mn-ea"/>
+                </a:rPr>
+                <a:t>Cmath</a:t>
+              </a:r>
+              <a:r>
+                <a:rPr lang="en-US" altLang="ko-KR" sz="1200" dirty="0">
+                  <a:latin typeface="+mn-ea"/>
+                </a:rPr>
+                <a:t>)</a:t>
+              </a:r>
+              <a:endParaRPr lang="ko-KR" altLang="en-US" sz="1200" dirty="0">
+                <a:latin typeface="+mn-ea"/>
+              </a:endParaRPr>
+            </a:p>
+          </p:txBody>
+        </p:sp>
+      </p:grpSp>
+      <p:grpSp>
+        <p:nvGrpSpPr>
+          <p:cNvPr id="19" name="그룹 18"/>
+          <p:cNvGrpSpPr/>
+          <p:nvPr/>
+        </p:nvGrpSpPr>
+        <p:grpSpPr>
+          <a:xfrm>
+            <a:off x="387926" y="230161"/>
+            <a:ext cx="2346038" cy="684000"/>
+            <a:chOff x="387926" y="230161"/>
+            <a:chExt cx="2346038" cy="684000"/>
+          </a:xfrm>
+        </p:grpSpPr>
+        <p:sp>
+          <p:nvSpPr>
+            <p:cNvPr id="20" name="TextBox 19"/>
+            <p:cNvSpPr txBox="1"/>
+            <p:nvPr/>
+          </p:nvSpPr>
+          <p:spPr>
+            <a:xfrm>
+              <a:off x="566280" y="248602"/>
+              <a:ext cx="2167684" cy="646331"/>
+            </a:xfrm>
+            <a:prstGeom prst="rect">
+              <a:avLst/>
+            </a:prstGeom>
+            <a:noFill/>
+          </p:spPr>
+          <p:txBody>
+            <a:bodyPr wrap="square" rtlCol="0">
+              <a:spAutoFit/>
+            </a:bodyPr>
+            <a:lstStyle/>
+            <a:p>
+              <a:r>
+                <a:rPr lang="ko-KR" altLang="en-US" sz="3600" b="1" dirty="0" smtClean="0">
+                  <a:latin typeface="Arial Black" panose="020B0A04020102020204" pitchFamily="34" charset="0"/>
+                </a:rPr>
+                <a:t>수익화</a:t>
+              </a:r>
+              <a:endParaRPr lang="ko-KR" altLang="en-US" sz="3600" b="1" dirty="0">
+                <a:latin typeface="Arial Black" panose="020B0A04020102020204" pitchFamily="34" charset="0"/>
+              </a:endParaRPr>
+            </a:p>
+          </p:txBody>
+        </p:sp>
+        <p:cxnSp>
+          <p:nvCxnSpPr>
+            <p:cNvPr id="21" name="직선 연결선 20"/>
+            <p:cNvCxnSpPr/>
+            <p:nvPr/>
+          </p:nvCxnSpPr>
+          <p:spPr>
+            <a:xfrm>
+              <a:off x="387926" y="230161"/>
+              <a:ext cx="0" cy="684000"/>
+            </a:xfrm>
+            <a:prstGeom prst="line">
+              <a:avLst/>
+            </a:prstGeom>
+            <a:ln w="63500">
+              <a:solidFill>
+                <a:schemeClr val="tx1"/>
+              </a:solidFill>
+            </a:ln>
+          </p:spPr>
+          <p:style>
+            <a:lnRef idx="1">
+              <a:schemeClr val="accent1"/>
+            </a:lnRef>
+            <a:fillRef idx="0">
+              <a:schemeClr val="accent1"/>
+            </a:fillRef>
+            <a:effectRef idx="0">
+              <a:schemeClr val="accent1"/>
+            </a:effectRef>
+            <a:fontRef idx="minor">
+              <a:schemeClr val="tx1"/>
+            </a:fontRef>
+          </p:style>
+        </p:cxnSp>
+      </p:grpSp>
+    </p:spTree>
+    <p:extLst>
+      <p:ext uri="{BB962C8B-B14F-4D97-AF65-F5344CB8AC3E}">
+        <p14:creationId xmlns:p14="http://schemas.microsoft.com/office/powerpoint/2010/main" val="1780903482"/>
+      </p:ext>
+    </p:extLst>
+  </p:cSld>
+  <p:clrMapOvr>
+    <a:masterClrMapping/>
+  </p:clrMapOvr>
+  <p:timing>
+    <p:tnLst>
+      <p:par>
+        <p:cTn id="1" dur="indefinite" restart="never" nodeType="tmRoot"/>
+      </p:par>
+    </p:tnLst>
+  </p:timing>
+</p:sld>
+</file>
+
+<file path=ppt/slides/slide12.xml><?xml version="1.0" encoding="utf-8"?>
+<p:sld xmlns:a="http://schemas.openxmlformats.org/drawingml/2006/main" xmlns:r="http://schemas.openxmlformats.org/officeDocument/2006/relationships" xmlns:p="http://schemas.openxmlformats.org/presentationml/2006/main">
+  <p:cSld>
+    <p:spTree>
+      <p:nvGrpSpPr>
+        <p:cNvPr id="1" name=""/>
+        <p:cNvGrpSpPr/>
+        <p:nvPr/>
+      </p:nvGrpSpPr>
+      <p:grpSpPr>
+        <a:xfrm>
+          <a:off x="0" y="0"/>
+          <a:ext cx="0" cy="0"/>
+          <a:chOff x="0" y="0"/>
+          <a:chExt cx="0" cy="0"/>
+        </a:xfrm>
+      </p:grpSpPr>
+      <p:grpSp>
+        <p:nvGrpSpPr>
+          <p:cNvPr id="10" name="그룹 9"/>
+          <p:cNvGrpSpPr/>
+          <p:nvPr/>
+        </p:nvGrpSpPr>
+        <p:grpSpPr>
+          <a:xfrm>
+            <a:off x="268881" y="2128548"/>
+            <a:ext cx="6048375" cy="3110687"/>
+            <a:chOff x="268881" y="2128548"/>
+            <a:chExt cx="6048375" cy="3110687"/>
+          </a:xfrm>
+        </p:grpSpPr>
+        <p:pic>
+          <p:nvPicPr>
+            <p:cNvPr id="8" name="그림 7"/>
+            <p:cNvPicPr>
+              <a:picLocks noChangeAspect="1"/>
+            </p:cNvPicPr>
+            <p:nvPr/>
+          </p:nvPicPr>
+          <p:blipFill>
+            <a:blip r:embed="rId2"/>
+            <a:stretch>
+              <a:fillRect/>
+            </a:stretch>
+          </p:blipFill>
+          <p:spPr>
+            <a:xfrm>
+              <a:off x="268881" y="2128548"/>
+              <a:ext cx="6048375" cy="2833688"/>
+            </a:xfrm>
+            <a:prstGeom prst="rect">
+              <a:avLst/>
+            </a:prstGeom>
+            <a:ln>
+              <a:solidFill>
+                <a:schemeClr val="tx1"/>
+              </a:solidFill>
+            </a:ln>
+          </p:spPr>
+        </p:pic>
+        <p:sp>
+          <p:nvSpPr>
+            <p:cNvPr id="9" name="TextBox 8"/>
+            <p:cNvSpPr txBox="1"/>
+            <p:nvPr/>
+          </p:nvSpPr>
+          <p:spPr>
+            <a:xfrm>
+              <a:off x="268881" y="4962236"/>
+              <a:ext cx="4199676" cy="276999"/>
+            </a:xfrm>
+            <a:prstGeom prst="rect">
+              <a:avLst/>
+            </a:prstGeom>
+            <a:noFill/>
+          </p:spPr>
+          <p:txBody>
+            <a:bodyPr wrap="none" rtlCol="0">
+              <a:spAutoFit/>
+            </a:bodyPr>
+            <a:lstStyle/>
+            <a:p>
+              <a:r>
+                <a:rPr lang="en-US" altLang="ko-KR" sz="1200" dirty="0" smtClean="0">
+                  <a:latin typeface="+mn-ea"/>
+                </a:rPr>
+                <a:t>* 2019</a:t>
+              </a:r>
+              <a:r>
+                <a:rPr lang="ko-KR" altLang="en-US" sz="1200" dirty="0" smtClean="0">
+                  <a:latin typeface="+mn-ea"/>
+                </a:rPr>
+                <a:t>년 기능성게임 사업체 및 </a:t>
+              </a:r>
+              <a:r>
+                <a:rPr lang="ko-KR" altLang="en-US" sz="1200" dirty="0" err="1" smtClean="0">
+                  <a:latin typeface="+mn-ea"/>
+                </a:rPr>
+                <a:t>수요처</a:t>
+              </a:r>
+              <a:r>
+                <a:rPr lang="ko-KR" altLang="en-US" sz="1200" dirty="0" smtClean="0">
+                  <a:latin typeface="+mn-ea"/>
+                </a:rPr>
+                <a:t> 현황조사 </a:t>
+              </a:r>
+              <a:r>
+                <a:rPr lang="en-US" altLang="ko-KR" sz="1200" dirty="0" smtClean="0">
+                  <a:latin typeface="+mn-ea"/>
+                </a:rPr>
+                <a:t>- KOCCA</a:t>
+              </a:r>
+              <a:endParaRPr lang="ko-KR" altLang="en-US" sz="1200" dirty="0">
+                <a:latin typeface="+mn-ea"/>
+              </a:endParaRPr>
+            </a:p>
+          </p:txBody>
+        </p:sp>
+      </p:grpSp>
+      <p:grpSp>
+        <p:nvGrpSpPr>
+          <p:cNvPr id="18" name="그룹 17"/>
+          <p:cNvGrpSpPr/>
+          <p:nvPr/>
+        </p:nvGrpSpPr>
+        <p:grpSpPr>
+          <a:xfrm>
+            <a:off x="6746876" y="145918"/>
+            <a:ext cx="4918837" cy="3326863"/>
+            <a:chOff x="6746876" y="145918"/>
+            <a:chExt cx="4918837" cy="3326863"/>
+          </a:xfrm>
+        </p:grpSpPr>
+        <p:pic>
+          <p:nvPicPr>
+            <p:cNvPr id="12" name="그림 11"/>
+            <p:cNvPicPr>
+              <a:picLocks noChangeAspect="1"/>
+            </p:cNvPicPr>
+            <p:nvPr/>
+          </p:nvPicPr>
+          <p:blipFill>
+            <a:blip r:embed="rId3"/>
+            <a:stretch>
+              <a:fillRect/>
+            </a:stretch>
+          </p:blipFill>
+          <p:spPr>
+            <a:xfrm>
+              <a:off x="6746877" y="145918"/>
+              <a:ext cx="4918836" cy="3049864"/>
+            </a:xfrm>
+            <a:prstGeom prst="rect">
+              <a:avLst/>
+            </a:prstGeom>
+            <a:ln>
+              <a:solidFill>
+                <a:schemeClr val="tx1"/>
+              </a:solidFill>
+            </a:ln>
+          </p:spPr>
+        </p:pic>
+        <p:sp>
+          <p:nvSpPr>
+            <p:cNvPr id="15" name="TextBox 14"/>
+            <p:cNvSpPr txBox="1"/>
+            <p:nvPr/>
+          </p:nvSpPr>
+          <p:spPr>
+            <a:xfrm>
+              <a:off x="6746876" y="3195782"/>
+              <a:ext cx="3464410" cy="276999"/>
+            </a:xfrm>
+            <a:prstGeom prst="rect">
+              <a:avLst/>
+            </a:prstGeom>
+            <a:noFill/>
+          </p:spPr>
+          <p:txBody>
+            <a:bodyPr wrap="none" rtlCol="0">
+              <a:spAutoFit/>
+            </a:bodyPr>
+            <a:lstStyle/>
+            <a:p>
+              <a:r>
+                <a:rPr lang="en-US" altLang="ko-KR" sz="1200" dirty="0" smtClean="0">
+                  <a:latin typeface="+mn-ea"/>
+                </a:rPr>
+                <a:t>* </a:t>
+              </a:r>
+              <a:r>
+                <a:rPr lang="ko-KR" altLang="en-US" sz="1200" dirty="0" err="1" smtClean="0">
+                  <a:latin typeface="+mn-ea"/>
+                </a:rPr>
+                <a:t>매쓰고</a:t>
+              </a:r>
+              <a:r>
+                <a:rPr lang="ko-KR" altLang="en-US" sz="1200" dirty="0" smtClean="0">
+                  <a:latin typeface="+mn-ea"/>
+                </a:rPr>
+                <a:t> 보드게임 시리즈 </a:t>
+              </a:r>
+              <a:r>
+                <a:rPr lang="en-US" altLang="ko-KR" sz="1200" dirty="0" smtClean="0">
+                  <a:latin typeface="+mn-ea"/>
+                </a:rPr>
+                <a:t>– </a:t>
+              </a:r>
+              <a:r>
+                <a:rPr lang="ko-KR" altLang="en-US" sz="1200" dirty="0" err="1" smtClean="0">
+                  <a:latin typeface="+mn-ea"/>
+                </a:rPr>
+                <a:t>시매쓰출판</a:t>
+              </a:r>
+              <a:r>
+                <a:rPr lang="en-US" altLang="ko-KR" sz="1200" dirty="0" smtClean="0">
+                  <a:latin typeface="+mn-ea"/>
+                </a:rPr>
+                <a:t>(</a:t>
+              </a:r>
+              <a:r>
+                <a:rPr lang="en-US" altLang="ko-KR" sz="1200" dirty="0" err="1" smtClean="0">
+                  <a:latin typeface="+mn-ea"/>
+                </a:rPr>
+                <a:t>Cmath</a:t>
+              </a:r>
+              <a:r>
+                <a:rPr lang="en-US" altLang="ko-KR" sz="1200" dirty="0">
+                  <a:latin typeface="+mn-ea"/>
+                </a:rPr>
+                <a:t>)</a:t>
+              </a:r>
+              <a:endParaRPr lang="ko-KR" altLang="en-US" sz="1200" dirty="0">
+                <a:latin typeface="+mn-ea"/>
+              </a:endParaRPr>
+            </a:p>
+          </p:txBody>
+        </p:sp>
+      </p:grpSp>
+      <p:grpSp>
+        <p:nvGrpSpPr>
+          <p:cNvPr id="17" name="그룹 16"/>
+          <p:cNvGrpSpPr/>
+          <p:nvPr/>
+        </p:nvGrpSpPr>
+        <p:grpSpPr>
+          <a:xfrm>
+            <a:off x="6746876" y="3687757"/>
+            <a:ext cx="4918837" cy="2994793"/>
+            <a:chOff x="6746876" y="3687757"/>
+            <a:chExt cx="4918837" cy="2994793"/>
+          </a:xfrm>
+        </p:grpSpPr>
+        <p:pic>
+          <p:nvPicPr>
+            <p:cNvPr id="14" name="그림 13"/>
+            <p:cNvPicPr>
+              <a:picLocks noChangeAspect="1"/>
+            </p:cNvPicPr>
+            <p:nvPr/>
+          </p:nvPicPr>
+          <p:blipFill>
+            <a:blip r:embed="rId4"/>
+            <a:stretch>
+              <a:fillRect/>
+            </a:stretch>
+          </p:blipFill>
+          <p:spPr>
+            <a:xfrm>
+              <a:off x="6746876" y="3687757"/>
+              <a:ext cx="4918837" cy="2733678"/>
+            </a:xfrm>
+            <a:prstGeom prst="rect">
+              <a:avLst/>
+            </a:prstGeom>
+            <a:ln>
+              <a:solidFill>
+                <a:schemeClr val="tx1"/>
+              </a:solidFill>
+            </a:ln>
+          </p:spPr>
+        </p:pic>
+        <p:sp>
+          <p:nvSpPr>
+            <p:cNvPr id="16" name="TextBox 15"/>
+            <p:cNvSpPr txBox="1"/>
+            <p:nvPr/>
+          </p:nvSpPr>
+          <p:spPr>
+            <a:xfrm>
+              <a:off x="6746876" y="6405551"/>
+              <a:ext cx="3717684" cy="276999"/>
+            </a:xfrm>
+            <a:prstGeom prst="rect">
+              <a:avLst/>
+            </a:prstGeom>
+            <a:noFill/>
+          </p:spPr>
+          <p:txBody>
+            <a:bodyPr wrap="none" rtlCol="0">
+              <a:spAutoFit/>
+            </a:bodyPr>
+            <a:lstStyle/>
+            <a:p>
+              <a:r>
+                <a:rPr lang="en-US" altLang="ko-KR" sz="1200" dirty="0" smtClean="0">
+                  <a:latin typeface="+mn-ea"/>
+                </a:rPr>
+                <a:t>* </a:t>
+              </a:r>
+              <a:r>
+                <a:rPr lang="ko-KR" altLang="en-US" sz="1200" dirty="0" err="1" smtClean="0">
+                  <a:latin typeface="+mn-ea"/>
+                </a:rPr>
+                <a:t>에듀테크</a:t>
+              </a:r>
+              <a:r>
+                <a:rPr lang="ko-KR" altLang="en-US" sz="1200" dirty="0" smtClean="0">
+                  <a:latin typeface="+mn-ea"/>
+                </a:rPr>
+                <a:t> 센터 </a:t>
+              </a:r>
+              <a:r>
+                <a:rPr lang="ko-KR" altLang="en-US" sz="1200" dirty="0" err="1" smtClean="0">
+                  <a:latin typeface="+mn-ea"/>
+                </a:rPr>
+                <a:t>스타트업</a:t>
+              </a:r>
+              <a:r>
+                <a:rPr lang="ko-KR" altLang="en-US" sz="1200" dirty="0" smtClean="0">
+                  <a:latin typeface="+mn-ea"/>
+                </a:rPr>
+                <a:t> </a:t>
+              </a:r>
+              <a:r>
+                <a:rPr lang="ko-KR" altLang="en-US" sz="1200" dirty="0" err="1" smtClean="0">
+                  <a:latin typeface="+mn-ea"/>
+                </a:rPr>
+                <a:t>엑셀러레이팅</a:t>
+              </a:r>
+              <a:r>
+                <a:rPr lang="ko-KR" altLang="en-US" sz="1200" dirty="0" smtClean="0">
+                  <a:latin typeface="+mn-ea"/>
+                </a:rPr>
+                <a:t> </a:t>
+              </a:r>
+              <a:r>
+                <a:rPr lang="en-US" altLang="ko-KR" sz="1200" dirty="0" smtClean="0">
+                  <a:latin typeface="+mn-ea"/>
+                </a:rPr>
+                <a:t>- </a:t>
+              </a:r>
+              <a:r>
+                <a:rPr lang="ko-KR" altLang="en-US" sz="1200" dirty="0" smtClean="0">
+                  <a:latin typeface="+mn-ea"/>
+                </a:rPr>
+                <a:t>천재교육</a:t>
+              </a:r>
+              <a:endParaRPr lang="ko-KR" altLang="en-US" sz="1200" dirty="0">
+                <a:latin typeface="+mn-ea"/>
+              </a:endParaRPr>
+            </a:p>
+          </p:txBody>
+        </p:sp>
+      </p:grpSp>
+      <p:grpSp>
+        <p:nvGrpSpPr>
+          <p:cNvPr id="19" name="그룹 18"/>
+          <p:cNvGrpSpPr/>
+          <p:nvPr/>
+        </p:nvGrpSpPr>
+        <p:grpSpPr>
+          <a:xfrm>
+            <a:off x="387926" y="230161"/>
+            <a:ext cx="2346038" cy="684000"/>
+            <a:chOff x="387926" y="230161"/>
+            <a:chExt cx="2346038" cy="684000"/>
+          </a:xfrm>
+        </p:grpSpPr>
+        <p:sp>
+          <p:nvSpPr>
+            <p:cNvPr id="20" name="TextBox 19"/>
+            <p:cNvSpPr txBox="1"/>
+            <p:nvPr/>
+          </p:nvSpPr>
+          <p:spPr>
+            <a:xfrm>
+              <a:off x="566280" y="248602"/>
+              <a:ext cx="2167684" cy="646331"/>
+            </a:xfrm>
+            <a:prstGeom prst="rect">
+              <a:avLst/>
+            </a:prstGeom>
+            <a:noFill/>
+          </p:spPr>
+          <p:txBody>
+            <a:bodyPr wrap="square" rtlCol="0">
+              <a:spAutoFit/>
+            </a:bodyPr>
+            <a:lstStyle/>
+            <a:p>
+              <a:r>
+                <a:rPr lang="ko-KR" altLang="en-US" sz="3600" b="1" dirty="0" smtClean="0">
+                  <a:latin typeface="Arial Black" panose="020B0A04020102020204" pitchFamily="34" charset="0"/>
+                </a:rPr>
+                <a:t>수익화</a:t>
+              </a:r>
+              <a:endParaRPr lang="ko-KR" altLang="en-US" sz="3600" b="1" dirty="0">
+                <a:latin typeface="Arial Black" panose="020B0A04020102020204" pitchFamily="34" charset="0"/>
+              </a:endParaRPr>
+            </a:p>
+          </p:txBody>
+        </p:sp>
+        <p:cxnSp>
+          <p:nvCxnSpPr>
+            <p:cNvPr id="21" name="직선 연결선 20"/>
+            <p:cNvCxnSpPr/>
+            <p:nvPr/>
+          </p:nvCxnSpPr>
+          <p:spPr>
+            <a:xfrm>
+              <a:off x="387926" y="230161"/>
+              <a:ext cx="0" cy="684000"/>
+            </a:xfrm>
+            <a:prstGeom prst="line">
+              <a:avLst/>
+            </a:prstGeom>
+            <a:ln w="63500">
+              <a:solidFill>
+                <a:schemeClr val="tx1"/>
+              </a:solidFill>
+            </a:ln>
+          </p:spPr>
+          <p:style>
+            <a:lnRef idx="1">
+              <a:schemeClr val="accent1"/>
+            </a:lnRef>
+            <a:fillRef idx="0">
+              <a:schemeClr val="accent1"/>
+            </a:fillRef>
+            <a:effectRef idx="0">
+              <a:schemeClr val="accent1"/>
+            </a:effectRef>
+            <a:fontRef idx="minor">
+              <a:schemeClr val="tx1"/>
+            </a:fontRef>
+          </p:style>
+        </p:cxnSp>
+      </p:grpSp>
+    </p:spTree>
+    <p:extLst>
+      <p:ext uri="{BB962C8B-B14F-4D97-AF65-F5344CB8AC3E}">
+        <p14:creationId xmlns:p14="http://schemas.microsoft.com/office/powerpoint/2010/main" val="3245937512"/>
+      </p:ext>
+    </p:extLst>
+  </p:cSld>
+  <p:clrMapOvr>
+    <a:masterClrMapping/>
+  </p:clrMapOvr>
+  <p:timing>
+    <p:tnLst>
+      <p:par>
+        <p:cTn id="1" dur="indefinite" restart="never" nodeType="tmRoot"/>
+      </p:par>
+    </p:tnLst>
+  </p:timing>
+</p:sld>
+</file>
+
+<file path=ppt/slides/slide13.xml><?xml version="1.0" encoding="utf-8"?>
+<p:sld xmlns:a="http://schemas.openxmlformats.org/drawingml/2006/main" xmlns:r="http://schemas.openxmlformats.org/officeDocument/2006/relationships" xmlns:p="http://schemas.openxmlformats.org/presentationml/2006/main">
+  <p:cSld>
+    <p:spTree>
+      <p:nvGrpSpPr>
+        <p:cNvPr id="1" name=""/>
+        <p:cNvGrpSpPr/>
+        <p:nvPr/>
+      </p:nvGrpSpPr>
+      <p:grpSpPr>
+        <a:xfrm>
+          <a:off x="0" y="0"/>
+          <a:ext cx="0" cy="0"/>
+          <a:chOff x="0" y="0"/>
+          <a:chExt cx="0" cy="0"/>
+        </a:xfrm>
+      </p:grpSpPr>
+      <p:grpSp>
+        <p:nvGrpSpPr>
+          <p:cNvPr id="10" name="그룹 9"/>
+          <p:cNvGrpSpPr/>
+          <p:nvPr/>
+        </p:nvGrpSpPr>
+        <p:grpSpPr>
+          <a:xfrm>
+            <a:off x="387926" y="230161"/>
+            <a:ext cx="2346038" cy="684000"/>
+            <a:chOff x="387926" y="230161"/>
+            <a:chExt cx="2346038" cy="684000"/>
+          </a:xfrm>
+        </p:grpSpPr>
+        <p:sp>
+          <p:nvSpPr>
+            <p:cNvPr id="11" name="TextBox 10"/>
+            <p:cNvSpPr txBox="1"/>
+            <p:nvPr/>
+          </p:nvSpPr>
+          <p:spPr>
+            <a:xfrm>
+              <a:off x="566280" y="248602"/>
+              <a:ext cx="2167684" cy="646331"/>
+            </a:xfrm>
+            <a:prstGeom prst="rect">
+              <a:avLst/>
+            </a:prstGeom>
+            <a:noFill/>
+          </p:spPr>
+          <p:txBody>
+            <a:bodyPr wrap="square" rtlCol="0">
+              <a:spAutoFit/>
+            </a:bodyPr>
+            <a:lstStyle/>
+            <a:p>
+              <a:r>
+                <a:rPr lang="ko-KR" altLang="en-US" sz="3600" b="1" dirty="0" smtClean="0">
+                  <a:latin typeface="Arial Black" panose="020B0A04020102020204" pitchFamily="34" charset="0"/>
+                </a:rPr>
+                <a:t>수익화</a:t>
+              </a:r>
+              <a:endParaRPr lang="ko-KR" altLang="en-US" sz="3600" b="1" dirty="0">
+                <a:latin typeface="Arial Black" panose="020B0A04020102020204" pitchFamily="34" charset="0"/>
+              </a:endParaRPr>
+            </a:p>
+          </p:txBody>
+        </p:sp>
+        <p:cxnSp>
+          <p:nvCxnSpPr>
+            <p:cNvPr id="12" name="직선 연결선 11"/>
+            <p:cNvCxnSpPr/>
+            <p:nvPr/>
+          </p:nvCxnSpPr>
+          <p:spPr>
+            <a:xfrm>
+              <a:off x="387926" y="230161"/>
+              <a:ext cx="0" cy="684000"/>
+            </a:xfrm>
+            <a:prstGeom prst="line">
+              <a:avLst/>
+            </a:prstGeom>
+            <a:ln w="63500">
+              <a:solidFill>
+                <a:schemeClr val="tx1"/>
+              </a:solidFill>
+            </a:ln>
+          </p:spPr>
+          <p:style>
+            <a:lnRef idx="1">
+              <a:schemeClr val="accent1"/>
+            </a:lnRef>
+            <a:fillRef idx="0">
+              <a:schemeClr val="accent1"/>
+            </a:fillRef>
+            <a:effectRef idx="0">
+              <a:schemeClr val="accent1"/>
+            </a:effectRef>
+            <a:fontRef idx="minor">
+              <a:schemeClr val="tx1"/>
+            </a:fontRef>
+          </p:style>
+        </p:cxnSp>
+      </p:grpSp>
+      <p:grpSp>
+        <p:nvGrpSpPr>
+          <p:cNvPr id="15" name="그룹 14"/>
+          <p:cNvGrpSpPr/>
+          <p:nvPr/>
+        </p:nvGrpSpPr>
+        <p:grpSpPr>
+          <a:xfrm>
+            <a:off x="397164" y="1369033"/>
+            <a:ext cx="4686300" cy="2532519"/>
+            <a:chOff x="397164" y="1369033"/>
+            <a:chExt cx="4686300" cy="2532519"/>
+          </a:xfrm>
+        </p:grpSpPr>
+        <p:pic>
+          <p:nvPicPr>
+            <p:cNvPr id="7" name="그림 6"/>
+            <p:cNvPicPr>
+              <a:picLocks noChangeAspect="1"/>
+            </p:cNvPicPr>
+            <p:nvPr/>
+          </p:nvPicPr>
+          <p:blipFill>
+            <a:blip r:embed="rId2"/>
+            <a:stretch>
+              <a:fillRect/>
+            </a:stretch>
+          </p:blipFill>
+          <p:spPr>
+            <a:xfrm>
+              <a:off x="397164" y="1369033"/>
+              <a:ext cx="4686300" cy="2255520"/>
+            </a:xfrm>
+            <a:prstGeom prst="rect">
+              <a:avLst/>
+            </a:prstGeom>
+            <a:ln>
+              <a:solidFill>
+                <a:schemeClr val="tx1"/>
+              </a:solidFill>
+            </a:ln>
+          </p:spPr>
+        </p:pic>
+        <p:sp>
+          <p:nvSpPr>
+            <p:cNvPr id="13" name="TextBox 12"/>
+            <p:cNvSpPr txBox="1"/>
+            <p:nvPr/>
+          </p:nvSpPr>
+          <p:spPr>
+            <a:xfrm>
+              <a:off x="397164" y="3624553"/>
+              <a:ext cx="4199676" cy="276999"/>
+            </a:xfrm>
+            <a:prstGeom prst="rect">
+              <a:avLst/>
+            </a:prstGeom>
+            <a:noFill/>
+          </p:spPr>
+          <p:txBody>
+            <a:bodyPr wrap="none" rtlCol="0">
+              <a:spAutoFit/>
+            </a:bodyPr>
+            <a:lstStyle/>
+            <a:p>
+              <a:r>
+                <a:rPr lang="en-US" altLang="ko-KR" sz="1200" dirty="0" smtClean="0">
+                  <a:latin typeface="+mn-ea"/>
+                </a:rPr>
+                <a:t>* 2019</a:t>
+              </a:r>
+              <a:r>
+                <a:rPr lang="ko-KR" altLang="en-US" sz="1200" dirty="0" smtClean="0">
+                  <a:latin typeface="+mn-ea"/>
+                </a:rPr>
+                <a:t>년 기능성게임 사업체 및 </a:t>
+              </a:r>
+              <a:r>
+                <a:rPr lang="ko-KR" altLang="en-US" sz="1200" dirty="0" err="1" smtClean="0">
+                  <a:latin typeface="+mn-ea"/>
+                </a:rPr>
+                <a:t>수요처</a:t>
+              </a:r>
+              <a:r>
+                <a:rPr lang="ko-KR" altLang="en-US" sz="1200" dirty="0" smtClean="0">
+                  <a:latin typeface="+mn-ea"/>
+                </a:rPr>
+                <a:t> 현황조사 </a:t>
+              </a:r>
+              <a:r>
+                <a:rPr lang="en-US" altLang="ko-KR" sz="1200" dirty="0" smtClean="0">
+                  <a:latin typeface="+mn-ea"/>
+                </a:rPr>
+                <a:t>- KOCCA</a:t>
+              </a:r>
+              <a:endParaRPr lang="ko-KR" altLang="en-US" sz="1200" dirty="0">
+                <a:latin typeface="+mn-ea"/>
+              </a:endParaRPr>
+            </a:p>
+          </p:txBody>
+        </p:sp>
+      </p:grpSp>
+      <p:grpSp>
+        <p:nvGrpSpPr>
+          <p:cNvPr id="16" name="그룹 15"/>
+          <p:cNvGrpSpPr/>
+          <p:nvPr/>
+        </p:nvGrpSpPr>
+        <p:grpSpPr>
+          <a:xfrm>
+            <a:off x="397164" y="4057868"/>
+            <a:ext cx="4686300" cy="2419790"/>
+            <a:chOff x="397164" y="4057868"/>
+            <a:chExt cx="4686300" cy="2419790"/>
+          </a:xfrm>
+        </p:grpSpPr>
+        <p:pic>
+          <p:nvPicPr>
+            <p:cNvPr id="8" name="그림 7"/>
+            <p:cNvPicPr>
+              <a:picLocks noChangeAspect="1"/>
+            </p:cNvPicPr>
+            <p:nvPr/>
+          </p:nvPicPr>
+          <p:blipFill>
+            <a:blip r:embed="rId3"/>
+            <a:stretch>
+              <a:fillRect/>
+            </a:stretch>
+          </p:blipFill>
+          <p:spPr>
+            <a:xfrm>
+              <a:off x="397164" y="4057868"/>
+              <a:ext cx="4686300" cy="2142791"/>
+            </a:xfrm>
+            <a:prstGeom prst="rect">
+              <a:avLst/>
+            </a:prstGeom>
+            <a:ln>
+              <a:solidFill>
+                <a:schemeClr val="tx1"/>
+              </a:solidFill>
+            </a:ln>
+          </p:spPr>
+        </p:pic>
+        <p:sp>
+          <p:nvSpPr>
+            <p:cNvPr id="14" name="TextBox 13"/>
+            <p:cNvSpPr txBox="1"/>
+            <p:nvPr/>
+          </p:nvSpPr>
+          <p:spPr>
+            <a:xfrm>
+              <a:off x="397164" y="6200659"/>
+              <a:ext cx="4199676" cy="276999"/>
+            </a:xfrm>
+            <a:prstGeom prst="rect">
+              <a:avLst/>
+            </a:prstGeom>
+            <a:noFill/>
+          </p:spPr>
+          <p:txBody>
+            <a:bodyPr wrap="none" rtlCol="0">
+              <a:spAutoFit/>
+            </a:bodyPr>
+            <a:lstStyle/>
+            <a:p>
+              <a:r>
+                <a:rPr lang="en-US" altLang="ko-KR" sz="1200" dirty="0" smtClean="0">
+                  <a:latin typeface="+mn-ea"/>
+                </a:rPr>
+                <a:t>* 2019</a:t>
+              </a:r>
+              <a:r>
+                <a:rPr lang="ko-KR" altLang="en-US" sz="1200" dirty="0" smtClean="0">
+                  <a:latin typeface="+mn-ea"/>
+                </a:rPr>
+                <a:t>년 기능성게임 사업체 및 </a:t>
+              </a:r>
+              <a:r>
+                <a:rPr lang="ko-KR" altLang="en-US" sz="1200" dirty="0" err="1" smtClean="0">
+                  <a:latin typeface="+mn-ea"/>
+                </a:rPr>
+                <a:t>수요처</a:t>
+              </a:r>
+              <a:r>
+                <a:rPr lang="ko-KR" altLang="en-US" sz="1200" dirty="0" smtClean="0">
+                  <a:latin typeface="+mn-ea"/>
+                </a:rPr>
+                <a:t> 현황조사 </a:t>
+              </a:r>
+              <a:r>
+                <a:rPr lang="en-US" altLang="ko-KR" sz="1200" dirty="0" smtClean="0">
+                  <a:latin typeface="+mn-ea"/>
+                </a:rPr>
+                <a:t>- KOCCA</a:t>
+              </a:r>
+              <a:endParaRPr lang="ko-KR" altLang="en-US" sz="1200" dirty="0">
+                <a:latin typeface="+mn-ea"/>
+              </a:endParaRPr>
+            </a:p>
+          </p:txBody>
+        </p:sp>
+      </p:grpSp>
+    </p:spTree>
+    <p:extLst>
+      <p:ext uri="{BB962C8B-B14F-4D97-AF65-F5344CB8AC3E}">
+        <p14:creationId xmlns:p14="http://schemas.microsoft.com/office/powerpoint/2010/main" val="3686734116"/>
+      </p:ext>
+    </p:extLst>
+  </p:cSld>
+  <p:clrMapOvr>
+    <a:masterClrMapping/>
+  </p:clrMapOvr>
+  <p:timing>
+    <p:tnLst>
+      <p:par>
+        <p:cTn id="1" dur="indefinite" restart="never" nodeType="tmRoot"/>
+      </p:par>
+    </p:tnLst>
+  </p:timing>
+</p:sld>
+</file>
+
+<file path=ppt/slides/slide14.xml><?xml version="1.0" encoding="utf-8"?>
+<p:sld xmlns:a="http://schemas.openxmlformats.org/drawingml/2006/main" xmlns:r="http://schemas.openxmlformats.org/officeDocument/2006/relationships" xmlns:p="http://schemas.openxmlformats.org/presentationml/2006/main">
+  <p:cSld>
+    <p:spTree>
+      <p:nvGrpSpPr>
+        <p:cNvPr id="1" name=""/>
+        <p:cNvGrpSpPr/>
+        <p:nvPr/>
+      </p:nvGrpSpPr>
+      <p:grpSpPr>
+        <a:xfrm>
+          <a:off x="0" y="0"/>
+          <a:ext cx="0" cy="0"/>
+          <a:chOff x="0" y="0"/>
+          <a:chExt cx="0" cy="0"/>
+        </a:xfrm>
+      </p:grpSpPr>
+      <p:grpSp>
+        <p:nvGrpSpPr>
+          <p:cNvPr id="10" name="그룹 9"/>
+          <p:cNvGrpSpPr/>
+          <p:nvPr/>
+        </p:nvGrpSpPr>
+        <p:grpSpPr>
+          <a:xfrm>
+            <a:off x="387926" y="230161"/>
+            <a:ext cx="2346038" cy="684000"/>
+            <a:chOff x="387926" y="230161"/>
+            <a:chExt cx="2346038" cy="684000"/>
+          </a:xfrm>
+        </p:grpSpPr>
+        <p:sp>
+          <p:nvSpPr>
+            <p:cNvPr id="11" name="TextBox 10"/>
+            <p:cNvSpPr txBox="1"/>
+            <p:nvPr/>
+          </p:nvSpPr>
+          <p:spPr>
+            <a:xfrm>
+              <a:off x="566280" y="248602"/>
+              <a:ext cx="2167684" cy="646331"/>
+            </a:xfrm>
+            <a:prstGeom prst="rect">
+              <a:avLst/>
+            </a:prstGeom>
+            <a:noFill/>
+          </p:spPr>
+          <p:txBody>
+            <a:bodyPr wrap="square" rtlCol="0">
+              <a:spAutoFit/>
+            </a:bodyPr>
+            <a:lstStyle/>
+            <a:p>
+              <a:r>
+                <a:rPr lang="ko-KR" altLang="en-US" sz="3600" b="1" dirty="0" smtClean="0">
+                  <a:latin typeface="Arial Black" panose="020B0A04020102020204" pitchFamily="34" charset="0"/>
+                </a:rPr>
+                <a:t>수익화</a:t>
+              </a:r>
+              <a:endParaRPr lang="ko-KR" altLang="en-US" sz="3600" b="1" dirty="0">
+                <a:latin typeface="Arial Black" panose="020B0A04020102020204" pitchFamily="34" charset="0"/>
+              </a:endParaRPr>
+            </a:p>
+          </p:txBody>
+        </p:sp>
+        <p:cxnSp>
+          <p:nvCxnSpPr>
+            <p:cNvPr id="12" name="직선 연결선 11"/>
+            <p:cNvCxnSpPr/>
+            <p:nvPr/>
+          </p:nvCxnSpPr>
+          <p:spPr>
+            <a:xfrm>
+              <a:off x="387926" y="230161"/>
+              <a:ext cx="0" cy="684000"/>
+            </a:xfrm>
+            <a:prstGeom prst="line">
+              <a:avLst/>
+            </a:prstGeom>
+            <a:ln w="63500">
+              <a:solidFill>
+                <a:schemeClr val="tx1"/>
+              </a:solidFill>
+            </a:ln>
+          </p:spPr>
+          <p:style>
+            <a:lnRef idx="1">
+              <a:schemeClr val="accent1"/>
+            </a:lnRef>
+            <a:fillRef idx="0">
+              <a:schemeClr val="accent1"/>
+            </a:fillRef>
+            <a:effectRef idx="0">
+              <a:schemeClr val="accent1"/>
+            </a:effectRef>
+            <a:fontRef idx="minor">
+              <a:schemeClr val="tx1"/>
+            </a:fontRef>
+          </p:style>
+        </p:cxnSp>
+      </p:grpSp>
+      <p:grpSp>
+        <p:nvGrpSpPr>
+          <p:cNvPr id="13" name="그룹 12"/>
+          <p:cNvGrpSpPr/>
+          <p:nvPr/>
+        </p:nvGrpSpPr>
+        <p:grpSpPr>
+          <a:xfrm>
+            <a:off x="397164" y="1369033"/>
+            <a:ext cx="4686300" cy="2532519"/>
+            <a:chOff x="397164" y="1369033"/>
+            <a:chExt cx="4686300" cy="2532519"/>
+          </a:xfrm>
+        </p:grpSpPr>
+        <p:pic>
+          <p:nvPicPr>
+            <p:cNvPr id="14" name="그림 13"/>
+            <p:cNvPicPr>
+              <a:picLocks noChangeAspect="1"/>
+            </p:cNvPicPr>
+            <p:nvPr/>
+          </p:nvPicPr>
+          <p:blipFill>
+            <a:blip r:embed="rId2"/>
+            <a:stretch>
+              <a:fillRect/>
+            </a:stretch>
+          </p:blipFill>
+          <p:spPr>
+            <a:xfrm>
+              <a:off x="397164" y="1369033"/>
+              <a:ext cx="4686300" cy="2255520"/>
+            </a:xfrm>
+            <a:prstGeom prst="rect">
+              <a:avLst/>
+            </a:prstGeom>
+            <a:ln>
+              <a:solidFill>
+                <a:schemeClr val="tx1"/>
+              </a:solidFill>
+            </a:ln>
+          </p:spPr>
+        </p:pic>
+        <p:sp>
+          <p:nvSpPr>
+            <p:cNvPr id="15" name="TextBox 14"/>
+            <p:cNvSpPr txBox="1"/>
+            <p:nvPr/>
+          </p:nvSpPr>
+          <p:spPr>
+            <a:xfrm>
+              <a:off x="397164" y="3624553"/>
+              <a:ext cx="4199676" cy="276999"/>
+            </a:xfrm>
+            <a:prstGeom prst="rect">
+              <a:avLst/>
+            </a:prstGeom>
+            <a:noFill/>
+          </p:spPr>
+          <p:txBody>
+            <a:bodyPr wrap="none" rtlCol="0">
+              <a:spAutoFit/>
+            </a:bodyPr>
+            <a:lstStyle/>
+            <a:p>
+              <a:r>
+                <a:rPr lang="en-US" altLang="ko-KR" sz="1200" dirty="0" smtClean="0">
+                  <a:latin typeface="+mn-ea"/>
+                </a:rPr>
+                <a:t>* 2019</a:t>
+              </a:r>
+              <a:r>
+                <a:rPr lang="ko-KR" altLang="en-US" sz="1200" dirty="0" smtClean="0">
+                  <a:latin typeface="+mn-ea"/>
+                </a:rPr>
+                <a:t>년 기능성게임 사업체 및 </a:t>
+              </a:r>
+              <a:r>
+                <a:rPr lang="ko-KR" altLang="en-US" sz="1200" dirty="0" err="1" smtClean="0">
+                  <a:latin typeface="+mn-ea"/>
+                </a:rPr>
+                <a:t>수요처</a:t>
+              </a:r>
+              <a:r>
+                <a:rPr lang="ko-KR" altLang="en-US" sz="1200" dirty="0" smtClean="0">
+                  <a:latin typeface="+mn-ea"/>
+                </a:rPr>
+                <a:t> 현황조사 </a:t>
+              </a:r>
+              <a:r>
+                <a:rPr lang="en-US" altLang="ko-KR" sz="1200" dirty="0" smtClean="0">
+                  <a:latin typeface="+mn-ea"/>
+                </a:rPr>
+                <a:t>- KOCCA</a:t>
+              </a:r>
+              <a:endParaRPr lang="ko-KR" altLang="en-US" sz="1200" dirty="0">
+                <a:latin typeface="+mn-ea"/>
+              </a:endParaRPr>
+            </a:p>
+          </p:txBody>
+        </p:sp>
+      </p:grpSp>
+      <p:grpSp>
+        <p:nvGrpSpPr>
+          <p:cNvPr id="16" name="그룹 15"/>
+          <p:cNvGrpSpPr/>
+          <p:nvPr/>
+        </p:nvGrpSpPr>
+        <p:grpSpPr>
+          <a:xfrm>
+            <a:off x="397164" y="4057868"/>
+            <a:ext cx="4686300" cy="2419790"/>
+            <a:chOff x="397164" y="4057868"/>
+            <a:chExt cx="4686300" cy="2419790"/>
+          </a:xfrm>
+        </p:grpSpPr>
+        <p:pic>
+          <p:nvPicPr>
+            <p:cNvPr id="17" name="그림 16"/>
+            <p:cNvPicPr>
+              <a:picLocks noChangeAspect="1"/>
+            </p:cNvPicPr>
+            <p:nvPr/>
+          </p:nvPicPr>
+          <p:blipFill>
+            <a:blip r:embed="rId3"/>
+            <a:stretch>
+              <a:fillRect/>
+            </a:stretch>
+          </p:blipFill>
+          <p:spPr>
+            <a:xfrm>
+              <a:off x="397164" y="4057868"/>
+              <a:ext cx="4686300" cy="2142791"/>
+            </a:xfrm>
+            <a:prstGeom prst="rect">
+              <a:avLst/>
+            </a:prstGeom>
+            <a:ln>
+              <a:solidFill>
+                <a:schemeClr val="tx1"/>
+              </a:solidFill>
+            </a:ln>
+          </p:spPr>
+        </p:pic>
+        <p:sp>
+          <p:nvSpPr>
+            <p:cNvPr id="18" name="TextBox 17"/>
+            <p:cNvSpPr txBox="1"/>
+            <p:nvPr/>
+          </p:nvSpPr>
+          <p:spPr>
+            <a:xfrm>
+              <a:off x="397164" y="6200659"/>
+              <a:ext cx="4199676" cy="276999"/>
+            </a:xfrm>
+            <a:prstGeom prst="rect">
+              <a:avLst/>
+            </a:prstGeom>
+            <a:noFill/>
+          </p:spPr>
+          <p:txBody>
+            <a:bodyPr wrap="none" rtlCol="0">
+              <a:spAutoFit/>
+            </a:bodyPr>
+            <a:lstStyle/>
+            <a:p>
+              <a:r>
+                <a:rPr lang="en-US" altLang="ko-KR" sz="1200" dirty="0" smtClean="0">
+                  <a:latin typeface="+mn-ea"/>
+                </a:rPr>
+                <a:t>* 2019</a:t>
+              </a:r>
+              <a:r>
+                <a:rPr lang="ko-KR" altLang="en-US" sz="1200" dirty="0" smtClean="0">
+                  <a:latin typeface="+mn-ea"/>
+                </a:rPr>
+                <a:t>년 기능성게임 사업체 및 </a:t>
+              </a:r>
+              <a:r>
+                <a:rPr lang="ko-KR" altLang="en-US" sz="1200" dirty="0" err="1" smtClean="0">
+                  <a:latin typeface="+mn-ea"/>
+                </a:rPr>
+                <a:t>수요처</a:t>
+              </a:r>
+              <a:r>
+                <a:rPr lang="ko-KR" altLang="en-US" sz="1200" dirty="0" smtClean="0">
+                  <a:latin typeface="+mn-ea"/>
+                </a:rPr>
+                <a:t> 현황조사 </a:t>
+              </a:r>
+              <a:r>
+                <a:rPr lang="en-US" altLang="ko-KR" sz="1200" dirty="0" smtClean="0">
+                  <a:latin typeface="+mn-ea"/>
+                </a:rPr>
+                <a:t>- KOCCA</a:t>
+              </a:r>
+              <a:endParaRPr lang="ko-KR" altLang="en-US" sz="1200" dirty="0">
+                <a:latin typeface="+mn-ea"/>
+              </a:endParaRPr>
+            </a:p>
+          </p:txBody>
+        </p:sp>
+      </p:grpSp>
+      <p:grpSp>
+        <p:nvGrpSpPr>
+          <p:cNvPr id="5" name="그룹 4"/>
+          <p:cNvGrpSpPr/>
+          <p:nvPr/>
+        </p:nvGrpSpPr>
+        <p:grpSpPr>
+          <a:xfrm>
+            <a:off x="5847917" y="2763724"/>
+            <a:ext cx="5054923" cy="2532519"/>
+            <a:chOff x="5847917" y="2763724"/>
+            <a:chExt cx="5054923" cy="2532519"/>
+          </a:xfrm>
+        </p:grpSpPr>
+        <p:pic>
+          <p:nvPicPr>
+            <p:cNvPr id="9" name="그림 8"/>
+            <p:cNvPicPr>
+              <a:picLocks noChangeAspect="1"/>
+            </p:cNvPicPr>
+            <p:nvPr/>
+          </p:nvPicPr>
+          <p:blipFill>
+            <a:blip r:embed="rId4"/>
+            <a:stretch>
+              <a:fillRect/>
+            </a:stretch>
+          </p:blipFill>
+          <p:spPr>
+            <a:xfrm>
+              <a:off x="5847917" y="2763724"/>
+              <a:ext cx="5054923" cy="2255520"/>
+            </a:xfrm>
+            <a:prstGeom prst="rect">
+              <a:avLst/>
+            </a:prstGeom>
+            <a:ln>
+              <a:solidFill>
+                <a:schemeClr val="tx1"/>
+              </a:solidFill>
+            </a:ln>
+          </p:spPr>
+        </p:pic>
+        <p:sp>
+          <p:nvSpPr>
+            <p:cNvPr id="19" name="TextBox 18"/>
+            <p:cNvSpPr txBox="1"/>
+            <p:nvPr/>
+          </p:nvSpPr>
+          <p:spPr>
+            <a:xfrm>
+              <a:off x="5847917" y="5019244"/>
+              <a:ext cx="4199676" cy="276999"/>
+            </a:xfrm>
+            <a:prstGeom prst="rect">
+              <a:avLst/>
+            </a:prstGeom>
+            <a:noFill/>
+          </p:spPr>
+          <p:txBody>
+            <a:bodyPr wrap="none" rtlCol="0">
+              <a:spAutoFit/>
+            </a:bodyPr>
+            <a:lstStyle/>
+            <a:p>
+              <a:r>
+                <a:rPr lang="en-US" altLang="ko-KR" sz="1200" dirty="0" smtClean="0">
+                  <a:latin typeface="+mn-ea"/>
+                </a:rPr>
+                <a:t>* 2019</a:t>
+              </a:r>
+              <a:r>
+                <a:rPr lang="ko-KR" altLang="en-US" sz="1200" dirty="0" smtClean="0">
+                  <a:latin typeface="+mn-ea"/>
+                </a:rPr>
+                <a:t>년 기능성게임 사업체 및 </a:t>
+              </a:r>
+              <a:r>
+                <a:rPr lang="ko-KR" altLang="en-US" sz="1200" dirty="0" err="1" smtClean="0">
+                  <a:latin typeface="+mn-ea"/>
+                </a:rPr>
+                <a:t>수요처</a:t>
+              </a:r>
+              <a:r>
+                <a:rPr lang="ko-KR" altLang="en-US" sz="1200" dirty="0" smtClean="0">
+                  <a:latin typeface="+mn-ea"/>
+                </a:rPr>
+                <a:t> 현황조사 </a:t>
+              </a:r>
+              <a:r>
+                <a:rPr lang="en-US" altLang="ko-KR" sz="1200" dirty="0" smtClean="0">
+                  <a:latin typeface="+mn-ea"/>
+                </a:rPr>
+                <a:t>- KOCCA</a:t>
+              </a:r>
+              <a:endParaRPr lang="ko-KR" altLang="en-US" sz="1200" dirty="0">
+                <a:latin typeface="+mn-ea"/>
+              </a:endParaRPr>
+            </a:p>
+          </p:txBody>
+        </p:sp>
+      </p:grpSp>
+    </p:spTree>
+    <p:extLst>
+      <p:ext uri="{BB962C8B-B14F-4D97-AF65-F5344CB8AC3E}">
+        <p14:creationId xmlns:p14="http://schemas.microsoft.com/office/powerpoint/2010/main" val="3425522063"/>
+      </p:ext>
+    </p:extLst>
+  </p:cSld>
+  <p:clrMapOvr>
+    <a:masterClrMapping/>
+  </p:clrMapOvr>
+  <p:timing>
+    <p:tnLst>
+      <p:par>
+        <p:cTn id="1" dur="indefinite" restart="never" nodeType="tmRoot"/>
+      </p:par>
+    </p:tnLst>
+  </p:timing>
+</p:sld>
+</file>
+
+<file path=ppt/slides/slide15.xml><?xml version="1.0" encoding="utf-8"?>
+<p:sld xmlns:a="http://schemas.openxmlformats.org/drawingml/2006/main" xmlns:r="http://schemas.openxmlformats.org/officeDocument/2006/relationships" xmlns:p="http://schemas.openxmlformats.org/presentationml/2006/main">
+  <p:cSld>
+    <p:spTree>
+      <p:nvGrpSpPr>
+        <p:cNvPr id="1" name=""/>
+        <p:cNvGrpSpPr/>
+        <p:nvPr/>
+      </p:nvGrpSpPr>
+      <p:grpSpPr>
+        <a:xfrm>
+          <a:off x="0" y="0"/>
+          <a:ext cx="0" cy="0"/>
+          <a:chOff x="0" y="0"/>
+          <a:chExt cx="0" cy="0"/>
+        </a:xfrm>
+      </p:grpSpPr>
+      <p:grpSp>
+        <p:nvGrpSpPr>
+          <p:cNvPr id="21" name="그룹 20"/>
+          <p:cNvGrpSpPr/>
+          <p:nvPr/>
+        </p:nvGrpSpPr>
+        <p:grpSpPr>
+          <a:xfrm>
+            <a:off x="5831575" y="2714244"/>
+            <a:ext cx="5076825" cy="2581999"/>
+            <a:chOff x="5831575" y="2714244"/>
+            <a:chExt cx="5076825" cy="2581999"/>
+          </a:xfrm>
+        </p:grpSpPr>
+        <p:grpSp>
+          <p:nvGrpSpPr>
+            <p:cNvPr id="20" name="그룹 19"/>
+            <p:cNvGrpSpPr/>
+            <p:nvPr/>
+          </p:nvGrpSpPr>
+          <p:grpSpPr>
+            <a:xfrm>
+              <a:off x="5831575" y="2751188"/>
+              <a:ext cx="5076825" cy="2545055"/>
+              <a:chOff x="5831575" y="2751188"/>
+              <a:chExt cx="5076825" cy="2545055"/>
+            </a:xfrm>
+          </p:grpSpPr>
+          <p:pic>
+            <p:nvPicPr>
+              <p:cNvPr id="5" name="그림 4"/>
+              <p:cNvPicPr>
+                <a:picLocks noChangeAspect="1"/>
+              </p:cNvPicPr>
+              <p:nvPr/>
+            </p:nvPicPr>
+            <p:blipFill>
+              <a:blip r:embed="rId2"/>
+              <a:stretch>
+                <a:fillRect/>
+              </a:stretch>
+            </p:blipFill>
+            <p:spPr>
+              <a:xfrm>
+                <a:off x="5831575" y="2751188"/>
+                <a:ext cx="5076825" cy="2276475"/>
+              </a:xfrm>
+              <a:prstGeom prst="rect">
+                <a:avLst/>
+              </a:prstGeom>
+              <a:ln>
+                <a:noFill/>
+              </a:ln>
+            </p:spPr>
+          </p:pic>
+          <p:sp>
+            <p:nvSpPr>
+              <p:cNvPr id="19" name="TextBox 18"/>
+              <p:cNvSpPr txBox="1"/>
+              <p:nvPr/>
+            </p:nvSpPr>
+            <p:spPr>
+              <a:xfrm>
+                <a:off x="5847917" y="5019244"/>
+                <a:ext cx="4199676" cy="276999"/>
+              </a:xfrm>
+              <a:prstGeom prst="rect">
+                <a:avLst/>
+              </a:prstGeom>
+              <a:noFill/>
+            </p:spPr>
+            <p:txBody>
+              <a:bodyPr wrap="none" rtlCol="0">
+                <a:spAutoFit/>
+              </a:bodyPr>
+              <a:lstStyle/>
+              <a:p>
+                <a:r>
+                  <a:rPr lang="en-US" altLang="ko-KR" sz="1200" dirty="0" smtClean="0">
+                    <a:latin typeface="+mn-ea"/>
+                  </a:rPr>
+                  <a:t>* 2019</a:t>
+                </a:r>
+                <a:r>
+                  <a:rPr lang="ko-KR" altLang="en-US" sz="1200" dirty="0" smtClean="0">
+                    <a:latin typeface="+mn-ea"/>
+                  </a:rPr>
+                  <a:t>년 기능성게임 사업체 및 </a:t>
+                </a:r>
+                <a:r>
+                  <a:rPr lang="ko-KR" altLang="en-US" sz="1200" dirty="0" err="1" smtClean="0">
+                    <a:latin typeface="+mn-ea"/>
+                  </a:rPr>
+                  <a:t>수요처</a:t>
+                </a:r>
+                <a:r>
+                  <a:rPr lang="ko-KR" altLang="en-US" sz="1200" dirty="0" smtClean="0">
+                    <a:latin typeface="+mn-ea"/>
+                  </a:rPr>
+                  <a:t> 현황조사 </a:t>
+                </a:r>
+                <a:r>
+                  <a:rPr lang="en-US" altLang="ko-KR" sz="1200" dirty="0" smtClean="0">
+                    <a:latin typeface="+mn-ea"/>
+                  </a:rPr>
+                  <a:t>- KOCCA</a:t>
+                </a:r>
+                <a:endParaRPr lang="ko-KR" altLang="en-US" sz="1200" dirty="0">
+                  <a:latin typeface="+mn-ea"/>
+                </a:endParaRPr>
+              </a:p>
+            </p:txBody>
+          </p:sp>
+        </p:grpSp>
+        <p:sp>
+          <p:nvSpPr>
+            <p:cNvPr id="6" name="TextBox 5"/>
+            <p:cNvSpPr txBox="1"/>
+            <p:nvPr/>
+          </p:nvSpPr>
+          <p:spPr>
+            <a:xfrm>
+              <a:off x="6412806" y="2714244"/>
+              <a:ext cx="644728" cy="369332"/>
+            </a:xfrm>
+            <a:prstGeom prst="rect">
+              <a:avLst/>
+            </a:prstGeom>
+            <a:noFill/>
+          </p:spPr>
+          <p:txBody>
+            <a:bodyPr wrap="none" rtlCol="0">
+              <a:spAutoFit/>
+            </a:bodyPr>
+            <a:lstStyle/>
+            <a:p>
+              <a:r>
+                <a:rPr lang="en-US" altLang="ko-KR" b="1" dirty="0" smtClean="0"/>
+                <a:t>36.7</a:t>
+              </a:r>
+              <a:endParaRPr lang="ko-KR" altLang="en-US" b="1" dirty="0"/>
+            </a:p>
+          </p:txBody>
+        </p:sp>
+      </p:grpSp>
+      <p:grpSp>
+        <p:nvGrpSpPr>
+          <p:cNvPr id="10" name="그룹 9"/>
+          <p:cNvGrpSpPr/>
+          <p:nvPr/>
+        </p:nvGrpSpPr>
+        <p:grpSpPr>
+          <a:xfrm>
+            <a:off x="387926" y="230161"/>
+            <a:ext cx="2346038" cy="684000"/>
+            <a:chOff x="387926" y="230161"/>
+            <a:chExt cx="2346038" cy="684000"/>
+          </a:xfrm>
+        </p:grpSpPr>
+        <p:sp>
+          <p:nvSpPr>
+            <p:cNvPr id="11" name="TextBox 10"/>
+            <p:cNvSpPr txBox="1"/>
+            <p:nvPr/>
+          </p:nvSpPr>
+          <p:spPr>
+            <a:xfrm>
+              <a:off x="566280" y="248602"/>
+              <a:ext cx="2167684" cy="646331"/>
+            </a:xfrm>
+            <a:prstGeom prst="rect">
+              <a:avLst/>
+            </a:prstGeom>
+            <a:noFill/>
+          </p:spPr>
+          <p:txBody>
+            <a:bodyPr wrap="square" rtlCol="0">
+              <a:spAutoFit/>
+            </a:bodyPr>
+            <a:lstStyle/>
+            <a:p>
+              <a:r>
+                <a:rPr lang="ko-KR" altLang="en-US" sz="3600" b="1" dirty="0" smtClean="0">
+                  <a:latin typeface="Arial Black" panose="020B0A04020102020204" pitchFamily="34" charset="0"/>
+                </a:rPr>
+                <a:t>수익화</a:t>
+              </a:r>
+              <a:endParaRPr lang="ko-KR" altLang="en-US" sz="3600" b="1" dirty="0">
+                <a:latin typeface="Arial Black" panose="020B0A04020102020204" pitchFamily="34" charset="0"/>
+              </a:endParaRPr>
+            </a:p>
+          </p:txBody>
+        </p:sp>
+        <p:cxnSp>
+          <p:nvCxnSpPr>
+            <p:cNvPr id="12" name="직선 연결선 11"/>
+            <p:cNvCxnSpPr/>
+            <p:nvPr/>
+          </p:nvCxnSpPr>
+          <p:spPr>
+            <a:xfrm>
+              <a:off x="387926" y="230161"/>
+              <a:ext cx="0" cy="684000"/>
+            </a:xfrm>
+            <a:prstGeom prst="line">
+              <a:avLst/>
+            </a:prstGeom>
+            <a:ln w="63500">
+              <a:solidFill>
+                <a:schemeClr val="tx1"/>
+              </a:solidFill>
+            </a:ln>
+          </p:spPr>
+          <p:style>
+            <a:lnRef idx="1">
+              <a:schemeClr val="accent1"/>
+            </a:lnRef>
+            <a:fillRef idx="0">
+              <a:schemeClr val="accent1"/>
+            </a:fillRef>
+            <a:effectRef idx="0">
+              <a:schemeClr val="accent1"/>
+            </a:effectRef>
+            <a:fontRef idx="minor">
+              <a:schemeClr val="tx1"/>
+            </a:fontRef>
+          </p:style>
+        </p:cxnSp>
+      </p:grpSp>
+      <p:grpSp>
+        <p:nvGrpSpPr>
+          <p:cNvPr id="13" name="그룹 12"/>
+          <p:cNvGrpSpPr/>
+          <p:nvPr/>
+        </p:nvGrpSpPr>
+        <p:grpSpPr>
+          <a:xfrm>
+            <a:off x="397164" y="1369033"/>
+            <a:ext cx="4686300" cy="2532519"/>
+            <a:chOff x="397164" y="1369033"/>
+            <a:chExt cx="4686300" cy="2532519"/>
+          </a:xfrm>
+        </p:grpSpPr>
+        <p:pic>
+          <p:nvPicPr>
+            <p:cNvPr id="14" name="그림 13"/>
+            <p:cNvPicPr>
+              <a:picLocks noChangeAspect="1"/>
+            </p:cNvPicPr>
+            <p:nvPr/>
+          </p:nvPicPr>
+          <p:blipFill>
+            <a:blip r:embed="rId3"/>
+            <a:stretch>
+              <a:fillRect/>
+            </a:stretch>
+          </p:blipFill>
+          <p:spPr>
+            <a:xfrm>
+              <a:off x="397164" y="1369033"/>
+              <a:ext cx="4686300" cy="2255520"/>
+            </a:xfrm>
+            <a:prstGeom prst="rect">
+              <a:avLst/>
+            </a:prstGeom>
+            <a:ln>
+              <a:solidFill>
+                <a:schemeClr val="tx1"/>
+              </a:solidFill>
+            </a:ln>
+          </p:spPr>
+        </p:pic>
+        <p:sp>
+          <p:nvSpPr>
+            <p:cNvPr id="15" name="TextBox 14"/>
+            <p:cNvSpPr txBox="1"/>
+            <p:nvPr/>
+          </p:nvSpPr>
+          <p:spPr>
+            <a:xfrm>
+              <a:off x="397164" y="3624553"/>
+              <a:ext cx="4199676" cy="276999"/>
+            </a:xfrm>
+            <a:prstGeom prst="rect">
+              <a:avLst/>
+            </a:prstGeom>
+            <a:noFill/>
+          </p:spPr>
+          <p:txBody>
+            <a:bodyPr wrap="none" rtlCol="0">
+              <a:spAutoFit/>
+            </a:bodyPr>
+            <a:lstStyle/>
+            <a:p>
+              <a:r>
+                <a:rPr lang="en-US" altLang="ko-KR" sz="1200" dirty="0" smtClean="0">
+                  <a:latin typeface="+mn-ea"/>
+                </a:rPr>
+                <a:t>* 2019</a:t>
+              </a:r>
+              <a:r>
+                <a:rPr lang="ko-KR" altLang="en-US" sz="1200" dirty="0" smtClean="0">
+                  <a:latin typeface="+mn-ea"/>
+                </a:rPr>
+                <a:t>년 기능성게임 사업체 및 </a:t>
+              </a:r>
+              <a:r>
+                <a:rPr lang="ko-KR" altLang="en-US" sz="1200" dirty="0" err="1" smtClean="0">
+                  <a:latin typeface="+mn-ea"/>
+                </a:rPr>
+                <a:t>수요처</a:t>
+              </a:r>
+              <a:r>
+                <a:rPr lang="ko-KR" altLang="en-US" sz="1200" dirty="0" smtClean="0">
+                  <a:latin typeface="+mn-ea"/>
+                </a:rPr>
+                <a:t> 현황조사 </a:t>
+              </a:r>
+              <a:r>
+                <a:rPr lang="en-US" altLang="ko-KR" sz="1200" dirty="0" smtClean="0">
+                  <a:latin typeface="+mn-ea"/>
+                </a:rPr>
+                <a:t>- KOCCA</a:t>
+              </a:r>
+              <a:endParaRPr lang="ko-KR" altLang="en-US" sz="1200" dirty="0">
+                <a:latin typeface="+mn-ea"/>
+              </a:endParaRPr>
+            </a:p>
+          </p:txBody>
+        </p:sp>
+      </p:grpSp>
+      <p:grpSp>
+        <p:nvGrpSpPr>
+          <p:cNvPr id="16" name="그룹 15"/>
+          <p:cNvGrpSpPr/>
+          <p:nvPr/>
+        </p:nvGrpSpPr>
+        <p:grpSpPr>
+          <a:xfrm>
+            <a:off x="397164" y="4057868"/>
+            <a:ext cx="4686300" cy="2419790"/>
+            <a:chOff x="397164" y="4057868"/>
+            <a:chExt cx="4686300" cy="2419790"/>
+          </a:xfrm>
+        </p:grpSpPr>
+        <p:pic>
+          <p:nvPicPr>
+            <p:cNvPr id="17" name="그림 16"/>
+            <p:cNvPicPr>
+              <a:picLocks noChangeAspect="1"/>
+            </p:cNvPicPr>
+            <p:nvPr/>
+          </p:nvPicPr>
+          <p:blipFill>
+            <a:blip r:embed="rId4"/>
+            <a:stretch>
+              <a:fillRect/>
+            </a:stretch>
+          </p:blipFill>
+          <p:spPr>
+            <a:xfrm>
+              <a:off x="397164" y="4057868"/>
+              <a:ext cx="4686300" cy="2142791"/>
+            </a:xfrm>
+            <a:prstGeom prst="rect">
+              <a:avLst/>
+            </a:prstGeom>
+            <a:ln>
+              <a:solidFill>
+                <a:schemeClr val="tx1"/>
+              </a:solidFill>
+            </a:ln>
+          </p:spPr>
+        </p:pic>
+        <p:sp>
+          <p:nvSpPr>
+            <p:cNvPr id="18" name="TextBox 17"/>
+            <p:cNvSpPr txBox="1"/>
+            <p:nvPr/>
+          </p:nvSpPr>
+          <p:spPr>
+            <a:xfrm>
+              <a:off x="397164" y="6200659"/>
+              <a:ext cx="4199676" cy="276999"/>
+            </a:xfrm>
+            <a:prstGeom prst="rect">
+              <a:avLst/>
+            </a:prstGeom>
+            <a:noFill/>
+          </p:spPr>
+          <p:txBody>
+            <a:bodyPr wrap="none" rtlCol="0">
+              <a:spAutoFit/>
+            </a:bodyPr>
+            <a:lstStyle/>
+            <a:p>
+              <a:r>
+                <a:rPr lang="en-US" altLang="ko-KR" sz="1200" dirty="0" smtClean="0">
+                  <a:latin typeface="+mn-ea"/>
+                </a:rPr>
+                <a:t>* 2019</a:t>
+              </a:r>
+              <a:r>
+                <a:rPr lang="ko-KR" altLang="en-US" sz="1200" dirty="0" smtClean="0">
+                  <a:latin typeface="+mn-ea"/>
+                </a:rPr>
+                <a:t>년 기능성게임 사업체 및 </a:t>
+              </a:r>
+              <a:r>
+                <a:rPr lang="ko-KR" altLang="en-US" sz="1200" dirty="0" err="1" smtClean="0">
+                  <a:latin typeface="+mn-ea"/>
+                </a:rPr>
+                <a:t>수요처</a:t>
+              </a:r>
+              <a:r>
+                <a:rPr lang="ko-KR" altLang="en-US" sz="1200" dirty="0" smtClean="0">
+                  <a:latin typeface="+mn-ea"/>
+                </a:rPr>
+                <a:t> 현황조사 </a:t>
+              </a:r>
+              <a:r>
+                <a:rPr lang="en-US" altLang="ko-KR" sz="1200" dirty="0" smtClean="0">
+                  <a:latin typeface="+mn-ea"/>
+                </a:rPr>
+                <a:t>- KOCCA</a:t>
+              </a:r>
+              <a:endParaRPr lang="ko-KR" altLang="en-US" sz="1200" dirty="0">
+                <a:latin typeface="+mn-ea"/>
+              </a:endParaRPr>
+            </a:p>
+          </p:txBody>
+        </p:sp>
+      </p:grpSp>
+    </p:spTree>
+    <p:extLst>
+      <p:ext uri="{BB962C8B-B14F-4D97-AF65-F5344CB8AC3E}">
+        <p14:creationId xmlns:p14="http://schemas.microsoft.com/office/powerpoint/2010/main" val="1588632135"/>
+      </p:ext>
+    </p:extLst>
+  </p:cSld>
+  <p:clrMapOvr>
+    <a:masterClrMapping/>
+  </p:clrMapOvr>
+  <p:timing>
+    <p:tnLst>
+      <p:par>
+        <p:cTn id="1" dur="indefinite" restart="never" nodeType="tmRoot"/>
+      </p:par>
+    </p:tnLst>
+  </p:timing>
+</p:sld>
+</file>
+
+<file path=ppt/slides/slide16.xml><?xml version="1.0" encoding="utf-8"?>
+<p:sld xmlns:a="http://schemas.openxmlformats.org/drawingml/2006/main" xmlns:r="http://schemas.openxmlformats.org/officeDocument/2006/relationships" xmlns:p="http://schemas.openxmlformats.org/presentationml/2006/main">
+  <p:cSld>
+    <p:spTree>
+      <p:nvGrpSpPr>
+        <p:cNvPr id="1" name=""/>
+        <p:cNvGrpSpPr/>
+        <p:nvPr/>
+      </p:nvGrpSpPr>
+      <p:grpSpPr>
+        <a:xfrm>
+          <a:off x="0" y="0"/>
+          <a:ext cx="0" cy="0"/>
+          <a:chOff x="0" y="0"/>
+          <a:chExt cx="0" cy="0"/>
+        </a:xfrm>
+      </p:grpSpPr>
+      <p:grpSp>
+        <p:nvGrpSpPr>
+          <p:cNvPr id="7" name="그룹 6"/>
+          <p:cNvGrpSpPr/>
+          <p:nvPr/>
+        </p:nvGrpSpPr>
+        <p:grpSpPr>
+          <a:xfrm>
+            <a:off x="387926" y="230161"/>
+            <a:ext cx="2346038" cy="684000"/>
+            <a:chOff x="387926" y="230161"/>
+            <a:chExt cx="2346038" cy="684000"/>
+          </a:xfrm>
+        </p:grpSpPr>
+        <p:sp>
+          <p:nvSpPr>
+            <p:cNvPr id="8" name="TextBox 7"/>
+            <p:cNvSpPr txBox="1"/>
+            <p:nvPr/>
+          </p:nvSpPr>
+          <p:spPr>
+            <a:xfrm>
+              <a:off x="566280" y="248602"/>
+              <a:ext cx="2167684" cy="646331"/>
+            </a:xfrm>
+            <a:prstGeom prst="rect">
+              <a:avLst/>
+            </a:prstGeom>
+            <a:noFill/>
+          </p:spPr>
+          <p:txBody>
+            <a:bodyPr wrap="square" rtlCol="0">
+              <a:spAutoFit/>
+            </a:bodyPr>
+            <a:lstStyle/>
+            <a:p>
+              <a:r>
+                <a:rPr lang="ko-KR" altLang="en-US" sz="3600" b="1" dirty="0" smtClean="0">
+                  <a:latin typeface="Arial Black" panose="020B0A04020102020204" pitchFamily="34" charset="0"/>
+                </a:rPr>
+                <a:t>개발 계획</a:t>
+              </a:r>
+              <a:endParaRPr lang="ko-KR" altLang="en-US" sz="3600" b="1" dirty="0">
+                <a:latin typeface="Arial Black" panose="020B0A04020102020204" pitchFamily="34" charset="0"/>
+              </a:endParaRPr>
+            </a:p>
+          </p:txBody>
+        </p:sp>
+        <p:cxnSp>
+          <p:nvCxnSpPr>
+            <p:cNvPr id="9" name="직선 연결선 8"/>
+            <p:cNvCxnSpPr/>
+            <p:nvPr/>
+          </p:nvCxnSpPr>
+          <p:spPr>
+            <a:xfrm>
+              <a:off x="387926" y="230161"/>
+              <a:ext cx="0" cy="684000"/>
+            </a:xfrm>
+            <a:prstGeom prst="line">
+              <a:avLst/>
+            </a:prstGeom>
+            <a:ln w="63500">
+              <a:solidFill>
+                <a:schemeClr val="tx1"/>
+              </a:solidFill>
+            </a:ln>
+          </p:spPr>
+          <p:style>
+            <a:lnRef idx="1">
+              <a:schemeClr val="accent1"/>
+            </a:lnRef>
+            <a:fillRef idx="0">
+              <a:schemeClr val="accent1"/>
+            </a:fillRef>
+            <a:effectRef idx="0">
+              <a:schemeClr val="accent1"/>
+            </a:effectRef>
+            <a:fontRef idx="minor">
+              <a:schemeClr val="tx1"/>
+            </a:fontRef>
+          </p:style>
+        </p:cxnSp>
+      </p:grpSp>
+      <p:pic>
+        <p:nvPicPr>
+          <p:cNvPr id="3" name="그림 2"/>
+          <p:cNvPicPr>
+            <a:picLocks noChangeAspect="1"/>
+          </p:cNvPicPr>
+          <p:nvPr/>
+        </p:nvPicPr>
+        <p:blipFill>
+          <a:blip r:embed="rId2"/>
+          <a:stretch>
+            <a:fillRect/>
+          </a:stretch>
+        </p:blipFill>
+        <p:spPr>
+          <a:xfrm>
+            <a:off x="644583" y="1805247"/>
+            <a:ext cx="10553700" cy="3962400"/>
+          </a:xfrm>
+          <a:prstGeom prst="rect">
+            <a:avLst/>
+          </a:prstGeom>
+        </p:spPr>
+      </p:pic>
+    </p:spTree>
+    <p:extLst>
+      <p:ext uri="{BB962C8B-B14F-4D97-AF65-F5344CB8AC3E}">
+        <p14:creationId xmlns:p14="http://schemas.microsoft.com/office/powerpoint/2010/main" val="169105240"/>
       </p:ext>
     </p:extLst>
   </p:cSld>
@@ -3493,7 +5676,7 @@
         </p:nvSpPr>
         <p:spPr>
           <a:xfrm>
-            <a:off x="3126315" y="612766"/>
+            <a:off x="3105107" y="997617"/>
             <a:ext cx="5844721" cy="954107"/>
           </a:xfrm>
           <a:prstGeom prst="rect">
@@ -3527,7 +5710,7 @@
         </p:nvSpPr>
         <p:spPr>
           <a:xfrm>
-            <a:off x="6161072" y="2365763"/>
+            <a:off x="6161072" y="2735203"/>
             <a:ext cx="5150769" cy="400110"/>
           </a:xfrm>
           <a:prstGeom prst="rect">
@@ -3565,7 +5748,7 @@
         </p:nvSpPr>
         <p:spPr>
           <a:xfrm>
-            <a:off x="8358788" y="2873595"/>
+            <a:off x="8358788" y="3243035"/>
             <a:ext cx="2953053" cy="338554"/>
           </a:xfrm>
           <a:prstGeom prst="rect">
@@ -3603,7 +5786,7 @@
         </p:nvSpPr>
         <p:spPr>
           <a:xfrm>
-            <a:off x="10283920" y="3223176"/>
+            <a:off x="10283920" y="3592616"/>
             <a:ext cx="990977" cy="338554"/>
           </a:xfrm>
           <a:prstGeom prst="rect">
@@ -3637,10 +5820,10 @@
         </p:nvGrpSpPr>
         <p:grpSpPr>
           <a:xfrm>
-            <a:off x="797485" y="2531440"/>
-            <a:ext cx="4657660" cy="2773038"/>
-            <a:chOff x="628075" y="2263592"/>
-            <a:chExt cx="4657660" cy="2773038"/>
+            <a:off x="397163" y="2780801"/>
+            <a:ext cx="5430982" cy="3204343"/>
+            <a:chOff x="628075" y="2302987"/>
+            <a:chExt cx="4657660" cy="2733643"/>
           </a:xfrm>
         </p:grpSpPr>
         <p:sp>
@@ -3690,7 +5873,7 @@
             <a:p>
               <a:pPr algn="ctr"/>
               <a:r>
-                <a:rPr lang="ko-KR" altLang="en-US" sz="1400" u="sng" dirty="0" smtClean="0">
+                <a:rPr lang="ko-KR" altLang="en-US" u="sng" dirty="0" smtClean="0">
                   <a:solidFill>
                     <a:schemeClr val="tx1"/>
                   </a:solidFill>
@@ -3700,7 +5883,7 @@
                 <a:t>수학 문제</a:t>
               </a:r>
               <a:r>
-                <a:rPr lang="ko-KR" altLang="en-US" sz="1400" dirty="0" smtClean="0">
+                <a:rPr lang="ko-KR" altLang="en-US" dirty="0" smtClean="0">
                   <a:solidFill>
                     <a:schemeClr val="tx1"/>
                   </a:solidFill>
@@ -3709,7 +5892,7 @@
                 </a:rPr>
                 <a:t>를 푼다</a:t>
               </a:r>
-              <a:endParaRPr lang="ko-KR" altLang="en-US" sz="1400" dirty="0">
+              <a:endParaRPr lang="ko-KR" altLang="en-US" dirty="0">
                 <a:solidFill>
                   <a:schemeClr val="tx1"/>
                 </a:solidFill>
@@ -3766,7 +5949,7 @@
             <a:p>
               <a:pPr algn="ctr"/>
               <a:r>
-                <a:rPr lang="ko-KR" altLang="en-US" sz="1400" u="sng" smtClean="0">
+                <a:rPr lang="ko-KR" altLang="en-US" u="sng" dirty="0" smtClean="0">
                   <a:solidFill>
                     <a:schemeClr val="tx1"/>
                   </a:solidFill>
@@ -3776,7 +5959,7 @@
                 <a:t>몬스터</a:t>
               </a:r>
               <a:r>
-                <a:rPr lang="ko-KR" altLang="en-US" sz="1400" smtClean="0">
+                <a:rPr lang="ko-KR" altLang="en-US" dirty="0" smtClean="0">
                   <a:solidFill>
                     <a:schemeClr val="tx1"/>
                   </a:solidFill>
@@ -3785,7 +5968,7 @@
                 </a:rPr>
                 <a:t>를 막는다</a:t>
               </a:r>
-              <a:endParaRPr lang="ko-KR" altLang="en-US" sz="1400" dirty="0">
+              <a:endParaRPr lang="ko-KR" altLang="en-US" dirty="0">
                 <a:solidFill>
                   <a:schemeClr val="tx1"/>
                 </a:solidFill>
@@ -3885,7 +6068,7 @@
           </p:nvSpPr>
           <p:spPr>
             <a:xfrm>
-              <a:off x="2197723" y="2263592"/>
+              <a:off x="2197723" y="2302987"/>
               <a:ext cx="1518364" cy="276999"/>
             </a:xfrm>
             <a:prstGeom prst="rect">
@@ -3957,7 +6140,7 @@
           </p:nvSpPr>
           <p:spPr>
             <a:xfrm>
-              <a:off x="2194487" y="4386658"/>
+              <a:off x="2194487" y="4418176"/>
               <a:ext cx="1518364" cy="276999"/>
             </a:xfrm>
             <a:prstGeom prst="rect">
@@ -4030,7 +6213,7 @@
         </p:nvGrpSpPr>
         <p:grpSpPr>
           <a:xfrm>
-            <a:off x="6464571" y="4025884"/>
+            <a:off x="6464571" y="4395324"/>
             <a:ext cx="4911922" cy="1297007"/>
             <a:chOff x="6362975" y="3988940"/>
             <a:chExt cx="4911922" cy="1297007"/>
@@ -4146,18 +6329,88 @@
           </p:txBody>
         </p:sp>
       </p:grpSp>
+      <p:cxnSp>
+        <p:nvCxnSpPr>
+          <p:cNvPr id="14" name="직선 연결선 13"/>
+          <p:cNvCxnSpPr/>
+          <p:nvPr/>
+        </p:nvCxnSpPr>
+        <p:spPr>
+          <a:xfrm>
+            <a:off x="6372208" y="4432331"/>
+            <a:ext cx="0" cy="1260000"/>
+          </a:xfrm>
+          <a:prstGeom prst="line">
+            <a:avLst/>
+          </a:prstGeom>
+          <a:ln w="38100">
+            <a:solidFill>
+              <a:schemeClr val="tx1"/>
+            </a:solidFill>
+          </a:ln>
+        </p:spPr>
+        <p:style>
+          <a:lnRef idx="1">
+            <a:schemeClr val="accent1"/>
+          </a:lnRef>
+          <a:fillRef idx="0">
+            <a:schemeClr val="accent1"/>
+          </a:fillRef>
+          <a:effectRef idx="0">
+            <a:schemeClr val="accent1"/>
+          </a:effectRef>
+          <a:fontRef idx="minor">
+            <a:schemeClr val="tx1"/>
+          </a:fontRef>
+        </p:style>
+      </p:cxnSp>
+      <p:cxnSp>
+        <p:nvCxnSpPr>
+          <p:cNvPr id="31" name="직선 연결선 30"/>
+          <p:cNvCxnSpPr/>
+          <p:nvPr/>
+        </p:nvCxnSpPr>
+        <p:spPr>
+          <a:xfrm>
+            <a:off x="11346949" y="4424831"/>
+            <a:ext cx="0" cy="1260000"/>
+          </a:xfrm>
+          <a:prstGeom prst="line">
+            <a:avLst/>
+          </a:prstGeom>
+          <a:ln w="38100">
+            <a:solidFill>
+              <a:schemeClr val="tx1"/>
+            </a:solidFill>
+          </a:ln>
+        </p:spPr>
+        <p:style>
+          <a:lnRef idx="1">
+            <a:schemeClr val="accent1"/>
+          </a:lnRef>
+          <a:fillRef idx="0">
+            <a:schemeClr val="accent1"/>
+          </a:fillRef>
+          <a:effectRef idx="0">
+            <a:schemeClr val="accent1"/>
+          </a:effectRef>
+          <a:fontRef idx="minor">
+            <a:schemeClr val="tx1"/>
+          </a:fontRef>
+        </p:style>
+      </p:cxnSp>
       <p:grpSp>
         <p:nvGrpSpPr>
-          <p:cNvPr id="33" name="그룹 32"/>
+          <p:cNvPr id="35" name="그룹 34"/>
           <p:cNvGrpSpPr/>
           <p:nvPr/>
         </p:nvGrpSpPr>
         <p:grpSpPr>
           <a:xfrm>
-            <a:off x="268881" y="145918"/>
-            <a:ext cx="3093155" cy="646331"/>
-            <a:chOff x="268881" y="145918"/>
-            <a:chExt cx="3093155" cy="646331"/>
+            <a:off x="387926" y="230161"/>
+            <a:ext cx="1332900" cy="684000"/>
+            <a:chOff x="387926" y="230161"/>
+            <a:chExt cx="1332900" cy="684000"/>
           </a:xfrm>
         </p:grpSpPr>
         <p:sp>
@@ -4168,8 +6421,8 @@
           </p:nvSpPr>
           <p:spPr>
             <a:xfrm>
-              <a:off x="268881" y="145918"/>
-              <a:ext cx="3093155" cy="646331"/>
+              <a:off x="566280" y="248602"/>
+              <a:ext cx="1154546" cy="646331"/>
             </a:xfrm>
             <a:prstGeom prst="rect">
               <a:avLst/>
@@ -4196,19 +6449,19 @@
         </p:sp>
         <p:cxnSp>
           <p:nvCxnSpPr>
-            <p:cNvPr id="30" name="직선 연결선 29"/>
+            <p:cNvPr id="27" name="직선 연결선 26"/>
             <p:cNvCxnSpPr/>
             <p:nvPr/>
           </p:nvCxnSpPr>
           <p:spPr>
             <a:xfrm>
-              <a:off x="397164" y="757475"/>
-              <a:ext cx="900000" cy="0"/>
+              <a:off x="387926" y="230161"/>
+              <a:ext cx="0" cy="684000"/>
             </a:xfrm>
             <a:prstGeom prst="line">
               <a:avLst/>
             </a:prstGeom>
-            <a:ln w="38100">
+            <a:ln w="63500">
               <a:solidFill>
                 <a:schemeClr val="tx1"/>
               </a:solidFill>
@@ -4293,28 +6546,28 @@
       </p:pic>
       <p:grpSp>
         <p:nvGrpSpPr>
-          <p:cNvPr id="6" name="그룹 5"/>
+          <p:cNvPr id="11" name="그룹 10"/>
           <p:cNvGrpSpPr/>
           <p:nvPr/>
         </p:nvGrpSpPr>
         <p:grpSpPr>
           <a:xfrm>
-            <a:off x="268881" y="145918"/>
-            <a:ext cx="3093155" cy="646331"/>
-            <a:chOff x="268881" y="145918"/>
-            <a:chExt cx="3093155" cy="646331"/>
+            <a:off x="387926" y="230161"/>
+            <a:ext cx="2346038" cy="684000"/>
+            <a:chOff x="387926" y="230161"/>
+            <a:chExt cx="2346038" cy="684000"/>
           </a:xfrm>
         </p:grpSpPr>
         <p:sp>
           <p:nvSpPr>
-            <p:cNvPr id="7" name="TextBox 6"/>
+            <p:cNvPr id="12" name="TextBox 11"/>
             <p:cNvSpPr txBox="1"/>
             <p:nvPr/>
           </p:nvSpPr>
           <p:spPr>
             <a:xfrm>
-              <a:off x="268881" y="145918"/>
-              <a:ext cx="3093155" cy="646331"/>
+              <a:off x="566280" y="248602"/>
+              <a:ext cx="2167684" cy="646331"/>
             </a:xfrm>
             <a:prstGeom prst="rect">
               <a:avLst/>
@@ -4341,19 +6594,19 @@
         </p:sp>
         <p:cxnSp>
           <p:nvCxnSpPr>
-            <p:cNvPr id="8" name="직선 연결선 7"/>
+            <p:cNvPr id="13" name="직선 연결선 12"/>
             <p:cNvCxnSpPr/>
             <p:nvPr/>
           </p:nvCxnSpPr>
           <p:spPr>
             <a:xfrm>
-              <a:off x="397164" y="757475"/>
-              <a:ext cx="1980000" cy="0"/>
+              <a:off x="387926" y="230161"/>
+              <a:ext cx="0" cy="684000"/>
             </a:xfrm>
             <a:prstGeom prst="line">
               <a:avLst/>
             </a:prstGeom>
-            <a:ln w="38100">
+            <a:ln w="63500">
               <a:solidFill>
                 <a:schemeClr val="tx1"/>
               </a:solidFill>
@@ -4462,28 +6715,28 @@
       </p:pic>
       <p:grpSp>
         <p:nvGrpSpPr>
-          <p:cNvPr id="6" name="그룹 5"/>
+          <p:cNvPr id="9" name="그룹 8"/>
           <p:cNvGrpSpPr/>
           <p:nvPr/>
         </p:nvGrpSpPr>
         <p:grpSpPr>
           <a:xfrm>
-            <a:off x="268881" y="145918"/>
-            <a:ext cx="3093155" cy="646331"/>
-            <a:chOff x="268881" y="145918"/>
-            <a:chExt cx="3093155" cy="646331"/>
+            <a:off x="387926" y="230161"/>
+            <a:ext cx="2346038" cy="684000"/>
+            <a:chOff x="387926" y="230161"/>
+            <a:chExt cx="2346038" cy="684000"/>
           </a:xfrm>
         </p:grpSpPr>
         <p:sp>
           <p:nvSpPr>
-            <p:cNvPr id="7" name="TextBox 6"/>
+            <p:cNvPr id="10" name="TextBox 9"/>
             <p:cNvSpPr txBox="1"/>
             <p:nvPr/>
           </p:nvSpPr>
           <p:spPr>
             <a:xfrm>
-              <a:off x="268881" y="145918"/>
-              <a:ext cx="3093155" cy="646331"/>
+              <a:off x="566280" y="248602"/>
+              <a:ext cx="2167684" cy="646331"/>
             </a:xfrm>
             <a:prstGeom prst="rect">
               <a:avLst/>
@@ -4497,7 +6750,7 @@
             <a:lstStyle/>
             <a:p>
               <a:r>
-                <a:rPr lang="ko-KR" altLang="en-US" sz="3600" b="1" dirty="0" smtClean="0">
+                <a:rPr lang="ko-KR" altLang="en-US" sz="3600" b="1" smtClean="0">
                   <a:latin typeface="Arial Black" panose="020B0A04020102020204" pitchFamily="34" charset="0"/>
                 </a:rPr>
                 <a:t>재미 요소</a:t>
@@ -4510,19 +6763,19 @@
         </p:sp>
         <p:cxnSp>
           <p:nvCxnSpPr>
-            <p:cNvPr id="8" name="직선 연결선 7"/>
+            <p:cNvPr id="11" name="직선 연결선 10"/>
             <p:cNvCxnSpPr/>
             <p:nvPr/>
           </p:nvCxnSpPr>
           <p:spPr>
             <a:xfrm>
-              <a:off x="397164" y="757475"/>
-              <a:ext cx="1980000" cy="0"/>
+              <a:off x="387926" y="230161"/>
+              <a:ext cx="0" cy="684000"/>
             </a:xfrm>
             <a:prstGeom prst="line">
               <a:avLst/>
             </a:prstGeom>
-            <a:ln w="38100">
+            <a:ln w="63500">
               <a:solidFill>
                 <a:schemeClr val="tx1"/>
               </a:solidFill>
@@ -4581,6 +6834,93 @@
           <a:chExt cx="0" cy="0"/>
         </a:xfrm>
       </p:grpSpPr>
+      <p:grpSp>
+        <p:nvGrpSpPr>
+          <p:cNvPr id="12" name="그룹 11"/>
+          <p:cNvGrpSpPr/>
+          <p:nvPr/>
+        </p:nvGrpSpPr>
+        <p:grpSpPr>
+          <a:xfrm>
+            <a:off x="7559040" y="344054"/>
+            <a:ext cx="3823854" cy="6169891"/>
+            <a:chOff x="4195762" y="340446"/>
+            <a:chExt cx="3823854" cy="6169891"/>
+          </a:xfrm>
+        </p:grpSpPr>
+        <p:pic>
+          <p:nvPicPr>
+            <p:cNvPr id="13" name="그림 12"/>
+            <p:cNvPicPr>
+              <a:picLocks noChangeAspect="1"/>
+            </p:cNvPicPr>
+            <p:nvPr/>
+          </p:nvPicPr>
+          <p:blipFill>
+            <a:blip r:embed="rId2"/>
+            <a:stretch>
+              <a:fillRect/>
+            </a:stretch>
+          </p:blipFill>
+          <p:spPr>
+            <a:xfrm>
+              <a:off x="4195762" y="347662"/>
+              <a:ext cx="3800475" cy="6162675"/>
+            </a:xfrm>
+            <a:prstGeom prst="rect">
+              <a:avLst/>
+            </a:prstGeom>
+          </p:spPr>
+        </p:pic>
+        <p:sp>
+          <p:nvSpPr>
+            <p:cNvPr id="14" name="직사각형 13"/>
+            <p:cNvSpPr/>
+            <p:nvPr/>
+          </p:nvSpPr>
+          <p:spPr>
+            <a:xfrm>
+              <a:off x="4195762" y="340446"/>
+              <a:ext cx="3823854" cy="6169891"/>
+            </a:xfrm>
+            <a:prstGeom prst="rect">
+              <a:avLst/>
+            </a:prstGeom>
+            <a:solidFill>
+              <a:schemeClr val="bg1">
+                <a:alpha val="80000"/>
+              </a:schemeClr>
+            </a:solidFill>
+            <a:ln>
+              <a:noFill/>
+            </a:ln>
+          </p:spPr>
+          <p:style>
+            <a:lnRef idx="2">
+              <a:schemeClr val="accent1">
+                <a:shade val="50000"/>
+              </a:schemeClr>
+            </a:lnRef>
+            <a:fillRef idx="1">
+              <a:schemeClr val="accent1"/>
+            </a:fillRef>
+            <a:effectRef idx="0">
+              <a:schemeClr val="accent1"/>
+            </a:effectRef>
+            <a:fontRef idx="minor">
+              <a:schemeClr val="lt1"/>
+            </a:fontRef>
+          </p:style>
+          <p:txBody>
+            <a:bodyPr rtlCol="0" anchor="ctr"/>
+            <a:lstStyle/>
+            <a:p>
+              <a:pPr algn="ctr"/>
+              <a:endParaRPr lang="ko-KR" altLang="en-US"/>
+            </a:p>
+          </p:txBody>
+        </p:sp>
+      </p:grpSp>
       <p:sp>
         <p:nvSpPr>
           <p:cNvPr id="2" name="TextBox 8">
@@ -4776,28 +7116,28 @@
       </p:sp>
       <p:grpSp>
         <p:nvGrpSpPr>
-          <p:cNvPr id="3" name="그룹 2"/>
+          <p:cNvPr id="15" name="그룹 14"/>
           <p:cNvGrpSpPr/>
           <p:nvPr/>
         </p:nvGrpSpPr>
         <p:grpSpPr>
           <a:xfrm>
-            <a:off x="268881" y="145918"/>
-            <a:ext cx="3093155" cy="646331"/>
-            <a:chOff x="268881" y="145918"/>
-            <a:chExt cx="3093155" cy="646331"/>
+            <a:off x="387926" y="230161"/>
+            <a:ext cx="2346038" cy="684000"/>
+            <a:chOff x="387926" y="230161"/>
+            <a:chExt cx="2346038" cy="684000"/>
           </a:xfrm>
         </p:grpSpPr>
         <p:sp>
           <p:nvSpPr>
-            <p:cNvPr id="4" name="TextBox 3"/>
+            <p:cNvPr id="16" name="TextBox 15"/>
             <p:cNvSpPr txBox="1"/>
             <p:nvPr/>
           </p:nvSpPr>
           <p:spPr>
             <a:xfrm>
-              <a:off x="268881" y="145918"/>
-              <a:ext cx="3093155" cy="646331"/>
+              <a:off x="566280" y="248602"/>
+              <a:ext cx="2167684" cy="646331"/>
             </a:xfrm>
             <a:prstGeom prst="rect">
               <a:avLst/>
@@ -4824,19 +7164,19 @@
         </p:sp>
         <p:cxnSp>
           <p:nvCxnSpPr>
-            <p:cNvPr id="5" name="직선 연결선 4"/>
+            <p:cNvPr id="17" name="직선 연결선 16"/>
             <p:cNvCxnSpPr/>
             <p:nvPr/>
           </p:nvCxnSpPr>
           <p:spPr>
             <a:xfrm>
-              <a:off x="397164" y="757475"/>
-              <a:ext cx="1980000" cy="0"/>
+              <a:off x="387926" y="230161"/>
+              <a:ext cx="0" cy="684000"/>
             </a:xfrm>
             <a:prstGeom prst="line">
               <a:avLst/>
             </a:prstGeom>
-            <a:ln w="38100">
+            <a:ln w="63500">
               <a:solidFill>
                 <a:schemeClr val="tx1"/>
               </a:solidFill>
@@ -4895,6 +7235,93 @@
           <a:chExt cx="0" cy="0"/>
         </a:xfrm>
       </p:grpSpPr>
+      <p:grpSp>
+        <p:nvGrpSpPr>
+          <p:cNvPr id="23" name="그룹 22"/>
+          <p:cNvGrpSpPr/>
+          <p:nvPr/>
+        </p:nvGrpSpPr>
+        <p:grpSpPr>
+          <a:xfrm>
+            <a:off x="7226876" y="145918"/>
+            <a:ext cx="4743450" cy="6629400"/>
+            <a:chOff x="3439967" y="127000"/>
+            <a:chExt cx="4743450" cy="6629400"/>
+          </a:xfrm>
+        </p:grpSpPr>
+        <p:pic>
+          <p:nvPicPr>
+            <p:cNvPr id="24" name="그림 23"/>
+            <p:cNvPicPr>
+              <a:picLocks noChangeAspect="1"/>
+            </p:cNvPicPr>
+            <p:nvPr/>
+          </p:nvPicPr>
+          <p:blipFill>
+            <a:blip r:embed="rId2"/>
+            <a:stretch>
+              <a:fillRect/>
+            </a:stretch>
+          </p:blipFill>
+          <p:spPr>
+            <a:xfrm>
+              <a:off x="3439967" y="127000"/>
+              <a:ext cx="4743450" cy="6629400"/>
+            </a:xfrm>
+            <a:prstGeom prst="rect">
+              <a:avLst/>
+            </a:prstGeom>
+          </p:spPr>
+        </p:pic>
+        <p:sp>
+          <p:nvSpPr>
+            <p:cNvPr id="25" name="직사각형 24"/>
+            <p:cNvSpPr/>
+            <p:nvPr/>
+          </p:nvSpPr>
+          <p:spPr>
+            <a:xfrm>
+              <a:off x="3439967" y="127000"/>
+              <a:ext cx="4743450" cy="6629400"/>
+            </a:xfrm>
+            <a:prstGeom prst="rect">
+              <a:avLst/>
+            </a:prstGeom>
+            <a:solidFill>
+              <a:schemeClr val="bg1">
+                <a:alpha val="85000"/>
+              </a:schemeClr>
+            </a:solidFill>
+            <a:ln>
+              <a:noFill/>
+            </a:ln>
+          </p:spPr>
+          <p:style>
+            <a:lnRef idx="2">
+              <a:schemeClr val="accent1">
+                <a:shade val="50000"/>
+              </a:schemeClr>
+            </a:lnRef>
+            <a:fillRef idx="1">
+              <a:schemeClr val="accent1"/>
+            </a:fillRef>
+            <a:effectRef idx="0">
+              <a:schemeClr val="accent1"/>
+            </a:effectRef>
+            <a:fontRef idx="minor">
+              <a:schemeClr val="lt1"/>
+            </a:fontRef>
+          </p:style>
+          <p:txBody>
+            <a:bodyPr rtlCol="0" anchor="ctr"/>
+            <a:lstStyle/>
+            <a:p>
+              <a:pPr algn="ctr"/>
+              <a:endParaRPr lang="ko-KR" altLang="en-US"/>
+            </a:p>
+          </p:txBody>
+        </p:sp>
+      </p:grpSp>
       <p:sp>
         <p:nvSpPr>
           <p:cNvPr id="2" name="TextBox 8">
@@ -5053,90 +7480,6 @@
           </a:p>
         </p:txBody>
       </p:sp>
-      <p:grpSp>
-        <p:nvGrpSpPr>
-          <p:cNvPr id="9" name="그룹 8"/>
-          <p:cNvGrpSpPr/>
-          <p:nvPr/>
-        </p:nvGrpSpPr>
-        <p:grpSpPr>
-          <a:xfrm>
-            <a:off x="268881" y="145918"/>
-            <a:ext cx="3093155" cy="646331"/>
-            <a:chOff x="268881" y="145918"/>
-            <a:chExt cx="3093155" cy="646331"/>
-          </a:xfrm>
-        </p:grpSpPr>
-        <p:sp>
-          <p:nvSpPr>
-            <p:cNvPr id="10" name="TextBox 9"/>
-            <p:cNvSpPr txBox="1"/>
-            <p:nvPr/>
-          </p:nvSpPr>
-          <p:spPr>
-            <a:xfrm>
-              <a:off x="268881" y="145918"/>
-              <a:ext cx="3093155" cy="646331"/>
-            </a:xfrm>
-            <a:prstGeom prst="rect">
-              <a:avLst/>
-            </a:prstGeom>
-            <a:noFill/>
-          </p:spPr>
-          <p:txBody>
-            <a:bodyPr wrap="square" rtlCol="0">
-              <a:spAutoFit/>
-            </a:bodyPr>
-            <a:lstStyle/>
-            <a:p>
-              <a:r>
-                <a:rPr lang="ko-KR" altLang="en-US" sz="3600" b="1" dirty="0" smtClean="0">
-                  <a:latin typeface="Arial Black" panose="020B0A04020102020204" pitchFamily="34" charset="0"/>
-                </a:rPr>
-                <a:t>설정</a:t>
-              </a:r>
-              <a:endParaRPr lang="ko-KR" altLang="en-US" sz="3600" b="1" dirty="0">
-                <a:latin typeface="Arial Black" panose="020B0A04020102020204" pitchFamily="34" charset="0"/>
-              </a:endParaRPr>
-            </a:p>
-          </p:txBody>
-        </p:sp>
-        <p:cxnSp>
-          <p:nvCxnSpPr>
-            <p:cNvPr id="11" name="직선 연결선 10"/>
-            <p:cNvCxnSpPr/>
-            <p:nvPr/>
-          </p:nvCxnSpPr>
-          <p:spPr>
-            <a:xfrm>
-              <a:off x="397164" y="757475"/>
-              <a:ext cx="900000" cy="0"/>
-            </a:xfrm>
-            <a:prstGeom prst="line">
-              <a:avLst/>
-            </a:prstGeom>
-            <a:ln w="38100">
-              <a:solidFill>
-                <a:schemeClr val="tx1"/>
-              </a:solidFill>
-            </a:ln>
-          </p:spPr>
-          <p:style>
-            <a:lnRef idx="1">
-              <a:schemeClr val="accent1"/>
-            </a:lnRef>
-            <a:fillRef idx="0">
-              <a:schemeClr val="accent1"/>
-            </a:fillRef>
-            <a:effectRef idx="0">
-              <a:schemeClr val="accent1"/>
-            </a:effectRef>
-            <a:fontRef idx="minor">
-              <a:schemeClr val="tx1"/>
-            </a:fontRef>
-          </p:style>
-        </p:cxnSp>
-      </p:grpSp>
       <p:sp>
         <p:nvSpPr>
           <p:cNvPr id="12" name="TextBox 8">
@@ -5446,6 +7789,90 @@
           </a:p>
         </p:txBody>
       </p:sp>
+      <p:grpSp>
+        <p:nvGrpSpPr>
+          <p:cNvPr id="26" name="그룹 25"/>
+          <p:cNvGrpSpPr/>
+          <p:nvPr/>
+        </p:nvGrpSpPr>
+        <p:grpSpPr>
+          <a:xfrm>
+            <a:off x="387926" y="230161"/>
+            <a:ext cx="1332900" cy="684000"/>
+            <a:chOff x="387926" y="230161"/>
+            <a:chExt cx="1332900" cy="684000"/>
+          </a:xfrm>
+        </p:grpSpPr>
+        <p:sp>
+          <p:nvSpPr>
+            <p:cNvPr id="27" name="TextBox 26"/>
+            <p:cNvSpPr txBox="1"/>
+            <p:nvPr/>
+          </p:nvSpPr>
+          <p:spPr>
+            <a:xfrm>
+              <a:off x="566280" y="248602"/>
+              <a:ext cx="1154546" cy="646331"/>
+            </a:xfrm>
+            <a:prstGeom prst="rect">
+              <a:avLst/>
+            </a:prstGeom>
+            <a:noFill/>
+          </p:spPr>
+          <p:txBody>
+            <a:bodyPr wrap="square" rtlCol="0">
+              <a:spAutoFit/>
+            </a:bodyPr>
+            <a:lstStyle/>
+            <a:p>
+              <a:r>
+                <a:rPr lang="ko-KR" altLang="en-US" sz="3600" b="1" dirty="0" smtClean="0">
+                  <a:latin typeface="Arial Black" panose="020B0A04020102020204" pitchFamily="34" charset="0"/>
+                </a:rPr>
+                <a:t>설정</a:t>
+              </a:r>
+              <a:endParaRPr lang="ko-KR" altLang="en-US" sz="3600" b="1" dirty="0">
+                <a:latin typeface="Arial Black" panose="020B0A04020102020204" pitchFamily="34" charset="0"/>
+              </a:endParaRPr>
+            </a:p>
+          </p:txBody>
+        </p:sp>
+        <p:cxnSp>
+          <p:nvCxnSpPr>
+            <p:cNvPr id="28" name="직선 연결선 27"/>
+            <p:cNvCxnSpPr/>
+            <p:nvPr/>
+          </p:nvCxnSpPr>
+          <p:spPr>
+            <a:xfrm>
+              <a:off x="387926" y="230161"/>
+              <a:ext cx="0" cy="684000"/>
+            </a:xfrm>
+            <a:prstGeom prst="line">
+              <a:avLst/>
+            </a:prstGeom>
+            <a:ln w="63500">
+              <a:solidFill>
+                <a:schemeClr val="tx1"/>
+              </a:solidFill>
+            </a:ln>
+          </p:spPr>
+          <p:style>
+            <a:lnRef idx="1">
+              <a:schemeClr val="accent1"/>
+            </a:lnRef>
+            <a:fillRef idx="0">
+              <a:schemeClr val="accent1"/>
+            </a:fillRef>
+            <a:effectRef idx="0">
+              <a:schemeClr val="accent1"/>
+            </a:effectRef>
+            <a:fontRef idx="minor">
+              <a:schemeClr val="tx1"/>
+            </a:fontRef>
+          </p:style>
+        </p:cxnSp>
+      </p:grpSp>
     </p:spTree>
     <p:extLst>
       <p:ext uri="{BB962C8B-B14F-4D97-AF65-F5344CB8AC3E}">
@@ -5483,90 +7910,6 @@
           <a:chExt cx="0" cy="0"/>
         </a:xfrm>
       </p:grpSpPr>
-      <p:grpSp>
-        <p:nvGrpSpPr>
-          <p:cNvPr id="3" name="그룹 2"/>
-          <p:cNvGrpSpPr/>
-          <p:nvPr/>
-        </p:nvGrpSpPr>
-        <p:grpSpPr>
-          <a:xfrm>
-            <a:off x="268881" y="145918"/>
-            <a:ext cx="3093155" cy="646331"/>
-            <a:chOff x="268881" y="145918"/>
-            <a:chExt cx="3093155" cy="646331"/>
-          </a:xfrm>
-        </p:grpSpPr>
-        <p:sp>
-          <p:nvSpPr>
-            <p:cNvPr id="4" name="TextBox 3"/>
-            <p:cNvSpPr txBox="1"/>
-            <p:nvPr/>
-          </p:nvSpPr>
-          <p:spPr>
-            <a:xfrm>
-              <a:off x="268881" y="145918"/>
-              <a:ext cx="3093155" cy="646331"/>
-            </a:xfrm>
-            <a:prstGeom prst="rect">
-              <a:avLst/>
-            </a:prstGeom>
-            <a:noFill/>
-          </p:spPr>
-          <p:txBody>
-            <a:bodyPr wrap="square" rtlCol="0">
-              <a:spAutoFit/>
-            </a:bodyPr>
-            <a:lstStyle/>
-            <a:p>
-              <a:r>
-                <a:rPr lang="ko-KR" altLang="en-US" sz="3600" b="1" dirty="0" smtClean="0">
-                  <a:latin typeface="Arial Black" panose="020B0A04020102020204" pitchFamily="34" charset="0"/>
-                </a:rPr>
-                <a:t>게임 플레이</a:t>
-              </a:r>
-              <a:endParaRPr lang="ko-KR" altLang="en-US" sz="3600" b="1" dirty="0">
-                <a:latin typeface="Arial Black" panose="020B0A04020102020204" pitchFamily="34" charset="0"/>
-              </a:endParaRPr>
-            </a:p>
-          </p:txBody>
-        </p:sp>
-        <p:cxnSp>
-          <p:nvCxnSpPr>
-            <p:cNvPr id="5" name="직선 연결선 4"/>
-            <p:cNvCxnSpPr/>
-            <p:nvPr/>
-          </p:nvCxnSpPr>
-          <p:spPr>
-            <a:xfrm>
-              <a:off x="397164" y="757475"/>
-              <a:ext cx="2340000" cy="0"/>
-            </a:xfrm>
-            <a:prstGeom prst="line">
-              <a:avLst/>
-            </a:prstGeom>
-            <a:ln w="38100">
-              <a:solidFill>
-                <a:schemeClr val="tx1"/>
-              </a:solidFill>
-            </a:ln>
-          </p:spPr>
-          <p:style>
-            <a:lnRef idx="1">
-              <a:schemeClr val="accent1"/>
-            </a:lnRef>
-            <a:fillRef idx="0">
-              <a:schemeClr val="accent1"/>
-            </a:fillRef>
-            <a:effectRef idx="0">
-              <a:schemeClr val="accent1"/>
-            </a:effectRef>
-            <a:fontRef idx="minor">
-              <a:schemeClr val="tx1"/>
-            </a:fontRef>
-          </p:style>
-        </p:cxnSp>
-      </p:grpSp>
       <p:pic>
         <p:nvPicPr>
           <p:cNvPr id="8" name="그림 7"/>
@@ -6124,6 +8467,160 @@
           </a:p>
         </p:txBody>
       </p:sp>
+      <p:grpSp>
+        <p:nvGrpSpPr>
+          <p:cNvPr id="22" name="그룹 21"/>
+          <p:cNvGrpSpPr/>
+          <p:nvPr/>
+        </p:nvGrpSpPr>
+        <p:grpSpPr>
+          <a:xfrm>
+            <a:off x="387926" y="230161"/>
+            <a:ext cx="2807856" cy="684000"/>
+            <a:chOff x="387926" y="230161"/>
+            <a:chExt cx="2807856" cy="684000"/>
+          </a:xfrm>
+        </p:grpSpPr>
+        <p:sp>
+          <p:nvSpPr>
+            <p:cNvPr id="24" name="TextBox 23"/>
+            <p:cNvSpPr txBox="1"/>
+            <p:nvPr/>
+          </p:nvSpPr>
+          <p:spPr>
+            <a:xfrm>
+              <a:off x="566280" y="248602"/>
+              <a:ext cx="2629502" cy="646331"/>
+            </a:xfrm>
+            <a:prstGeom prst="rect">
+              <a:avLst/>
+            </a:prstGeom>
+            <a:noFill/>
+          </p:spPr>
+          <p:txBody>
+            <a:bodyPr wrap="square" rtlCol="0">
+              <a:spAutoFit/>
+            </a:bodyPr>
+            <a:lstStyle/>
+            <a:p>
+              <a:r>
+                <a:rPr lang="ko-KR" altLang="en-US" sz="3600" b="1" smtClean="0">
+                  <a:latin typeface="Arial Black" panose="020B0A04020102020204" pitchFamily="34" charset="0"/>
+                </a:rPr>
+                <a:t>게임 플레이</a:t>
+              </a:r>
+              <a:endParaRPr lang="ko-KR" altLang="en-US" sz="3600" b="1" dirty="0">
+                <a:latin typeface="Arial Black" panose="020B0A04020102020204" pitchFamily="34" charset="0"/>
+              </a:endParaRPr>
+            </a:p>
+          </p:txBody>
+        </p:sp>
+        <p:cxnSp>
+          <p:nvCxnSpPr>
+            <p:cNvPr id="26" name="직선 연결선 25"/>
+            <p:cNvCxnSpPr/>
+            <p:nvPr/>
+          </p:nvCxnSpPr>
+          <p:spPr>
+            <a:xfrm>
+              <a:off x="387926" y="230161"/>
+              <a:ext cx="0" cy="684000"/>
+            </a:xfrm>
+            <a:prstGeom prst="line">
+              <a:avLst/>
+            </a:prstGeom>
+            <a:ln w="63500">
+              <a:solidFill>
+                <a:schemeClr val="tx1"/>
+              </a:solidFill>
+            </a:ln>
+          </p:spPr>
+          <p:style>
+            <a:lnRef idx="1">
+              <a:schemeClr val="accent1"/>
+            </a:lnRef>
+            <a:fillRef idx="0">
+              <a:schemeClr val="accent1"/>
+            </a:fillRef>
+            <a:effectRef idx="0">
+              <a:schemeClr val="accent1"/>
+            </a:effectRef>
+            <a:fontRef idx="minor">
+              <a:schemeClr val="tx1"/>
+            </a:fontRef>
+          </p:style>
+        </p:cxnSp>
+      </p:grpSp>
+      <p:cxnSp>
+        <p:nvCxnSpPr>
+          <p:cNvPr id="27" name="직선 연결선 26"/>
+          <p:cNvCxnSpPr/>
+          <p:nvPr/>
+        </p:nvCxnSpPr>
+        <p:spPr>
+          <a:xfrm>
+            <a:off x="6780577" y="1259169"/>
+            <a:ext cx="0" cy="432000"/>
+          </a:xfrm>
+          <a:prstGeom prst="line">
+            <a:avLst/>
+          </a:prstGeom>
+          <a:ln w="38100">
+            <a:solidFill>
+              <a:schemeClr val="tx1"/>
+            </a:solidFill>
+          </a:ln>
+        </p:spPr>
+        <p:style>
+          <a:lnRef idx="1">
+            <a:schemeClr val="accent1"/>
+          </a:lnRef>
+          <a:fillRef idx="0">
+            <a:schemeClr val="accent1"/>
+          </a:fillRef>
+          <a:effectRef idx="0">
+            <a:schemeClr val="accent1"/>
+          </a:effectRef>
+          <a:fontRef idx="minor">
+            <a:schemeClr val="tx1"/>
+          </a:fontRef>
+        </p:style>
+      </p:cxnSp>
+      <p:cxnSp>
+        <p:nvCxnSpPr>
+          <p:cNvPr id="28" name="직선 연결선 27"/>
+          <p:cNvCxnSpPr/>
+          <p:nvPr/>
+        </p:nvCxnSpPr>
+        <p:spPr>
+          <a:xfrm>
+            <a:off x="6780577" y="1920336"/>
+            <a:ext cx="0" cy="720000"/>
+          </a:xfrm>
+          <a:prstGeom prst="line">
+            <a:avLst/>
+          </a:prstGeom>
+          <a:ln w="38100">
+            <a:solidFill>
+              <a:schemeClr val="tx1"/>
+            </a:solidFill>
+          </a:ln>
+        </p:spPr>
+        <p:style>
+          <a:lnRef idx="1">
+            <a:schemeClr val="accent1"/>
+          </a:lnRef>
+          <a:fillRef idx="0">
+            <a:schemeClr val="accent1"/>
+          </a:fillRef>
+          <a:effectRef idx="0">
+            <a:schemeClr val="accent1"/>
+          </a:effectRef>
+          <a:fontRef idx="minor">
+            <a:schemeClr val="tx1"/>
+          </a:fontRef>
+        </p:style>
+      </p:cxnSp>
     </p:spTree>
     <p:extLst>
       <p:ext uri="{BB962C8B-B14F-4D97-AF65-F5344CB8AC3E}">
@@ -6161,30 +8658,99 @@
           <a:chExt cx="0" cy="0"/>
         </a:xfrm>
       </p:grpSpPr>
+      <p:pic>
+        <p:nvPicPr>
+          <p:cNvPr id="2" name="그림 1"/>
+          <p:cNvPicPr>
+            <a:picLocks noChangeAspect="1"/>
+          </p:cNvPicPr>
+          <p:nvPr/>
+        </p:nvPicPr>
+        <p:blipFill>
+          <a:blip r:embed="rId2"/>
+          <a:stretch>
+            <a:fillRect/>
+          </a:stretch>
+        </p:blipFill>
+        <p:spPr>
+          <a:xfrm>
+            <a:off x="627093" y="2668387"/>
+            <a:ext cx="5301861" cy="2929976"/>
+          </a:xfrm>
+          <a:prstGeom prst="rect">
+            <a:avLst/>
+          </a:prstGeom>
+          <a:ln w="19050">
+            <a:solidFill>
+              <a:schemeClr val="tx1"/>
+            </a:solidFill>
+          </a:ln>
+        </p:spPr>
+      </p:pic>
+      <p:sp>
+        <p:nvSpPr>
+          <p:cNvPr id="16" name="TextBox 15"/>
+          <p:cNvSpPr txBox="1"/>
+          <p:nvPr/>
+        </p:nvSpPr>
+        <p:spPr>
+          <a:xfrm>
+            <a:off x="1960112" y="1478723"/>
+            <a:ext cx="2635821" cy="646331"/>
+          </a:xfrm>
+          <a:prstGeom prst="rect">
+            <a:avLst/>
+          </a:prstGeom>
+          <a:noFill/>
+        </p:spPr>
+        <p:txBody>
+          <a:bodyPr wrap="square" rtlCol="0">
+            <a:spAutoFit/>
+          </a:bodyPr>
+          <a:lstStyle/>
+          <a:p>
+            <a:r>
+              <a:rPr lang="ko-KR" altLang="en-US" sz="3600" b="1" dirty="0" smtClean="0">
+                <a:latin typeface="Arial Black" panose="020B0A04020102020204" pitchFamily="34" charset="0"/>
+              </a:rPr>
+              <a:t>학교 </a:t>
+            </a:r>
+            <a:r>
+              <a:rPr lang="ko-KR" altLang="en-US" sz="3600" b="1" dirty="0" err="1" smtClean="0">
+                <a:latin typeface="Arial Black" panose="020B0A04020102020204" pitchFamily="34" charset="0"/>
+              </a:rPr>
+              <a:t>랭킹전</a:t>
+            </a:r>
+            <a:endParaRPr lang="ko-KR" altLang="en-US" sz="3600" b="1" dirty="0">
+              <a:latin typeface="Arial Black" panose="020B0A04020102020204" pitchFamily="34" charset="0"/>
+            </a:endParaRPr>
+          </a:p>
+        </p:txBody>
+      </p:sp>
       <p:grpSp>
         <p:nvGrpSpPr>
-          <p:cNvPr id="22" name="그룹 21"/>
+          <p:cNvPr id="17" name="그룹 16"/>
           <p:cNvGrpSpPr/>
           <p:nvPr/>
         </p:nvGrpSpPr>
         <p:grpSpPr>
           <a:xfrm>
-            <a:off x="268881" y="145918"/>
-            <a:ext cx="3093155" cy="646331"/>
-            <a:chOff x="268881" y="145918"/>
-            <a:chExt cx="3093155" cy="646331"/>
+            <a:off x="387926" y="230161"/>
+            <a:ext cx="2346038" cy="684000"/>
+            <a:chOff x="387926" y="230161"/>
+            <a:chExt cx="2346038" cy="684000"/>
           </a:xfrm>
         </p:grpSpPr>
         <p:sp>
           <p:nvSpPr>
-            <p:cNvPr id="24" name="TextBox 23"/>
+            <p:cNvPr id="18" name="TextBox 17"/>
             <p:cNvSpPr txBox="1"/>
             <p:nvPr/>
           </p:nvSpPr>
           <p:spPr>
             <a:xfrm>
-              <a:off x="268881" y="145918"/>
-              <a:ext cx="3093155" cy="646331"/>
+              <a:off x="566280" y="248602"/>
+              <a:ext cx="2167684" cy="646331"/>
             </a:xfrm>
             <a:prstGeom prst="rect">
               <a:avLst/>
@@ -6201,13 +8767,7 @@
                 <a:rPr lang="ko-KR" altLang="en-US" sz="3600" b="1" dirty="0" smtClean="0">
                   <a:latin typeface="Arial Black" panose="020B0A04020102020204" pitchFamily="34" charset="0"/>
                 </a:rPr>
-                <a:t>차별 </a:t>
-              </a:r>
-              <a:r>
-                <a:rPr lang="ko-KR" altLang="en-US" sz="3600" b="1" dirty="0" smtClean="0">
-                  <a:latin typeface="Arial Black" panose="020B0A04020102020204" pitchFamily="34" charset="0"/>
-                </a:rPr>
-                <a:t>요소</a:t>
+                <a:t>차별 요소</a:t>
               </a:r>
               <a:endParaRPr lang="ko-KR" altLang="en-US" sz="3600" b="1" dirty="0">
                 <a:latin typeface="Arial Black" panose="020B0A04020102020204" pitchFamily="34" charset="0"/>
@@ -6217,19 +8777,19 @@
         </p:sp>
         <p:cxnSp>
           <p:nvCxnSpPr>
-            <p:cNvPr id="26" name="직선 연결선 25"/>
+            <p:cNvPr id="19" name="직선 연결선 18"/>
             <p:cNvCxnSpPr/>
             <p:nvPr/>
           </p:nvCxnSpPr>
           <p:spPr>
             <a:xfrm>
-              <a:off x="397164" y="757475"/>
-              <a:ext cx="1980000" cy="0"/>
+              <a:off x="387926" y="230161"/>
+              <a:ext cx="0" cy="684000"/>
             </a:xfrm>
             <a:prstGeom prst="line">
               <a:avLst/>
             </a:prstGeom>
-            <a:ln w="38100">
+            <a:ln w="63500">
               <a:solidFill>
                 <a:schemeClr val="tx1"/>
               </a:solidFill>
@@ -6251,86 +8811,6 @@
           </p:style>
         </p:cxnSp>
       </p:grpSp>
-      <p:sp>
-        <p:nvSpPr>
-          <p:cNvPr id="27" name="TextBox 26"/>
-          <p:cNvSpPr txBox="1"/>
-          <p:nvPr/>
-        </p:nvSpPr>
-        <p:spPr>
-          <a:xfrm>
-            <a:off x="830586" y="2800449"/>
-            <a:ext cx="3093155" cy="646331"/>
-          </a:xfrm>
-          <a:prstGeom prst="rect">
-            <a:avLst/>
-          </a:prstGeom>
-          <a:noFill/>
-        </p:spPr>
-        <p:txBody>
-          <a:bodyPr wrap="square" rtlCol="0">
-            <a:spAutoFit/>
-          </a:bodyPr>
-          <a:lstStyle/>
-          <a:p>
-            <a:r>
-              <a:rPr lang="ko-KR" altLang="en-US" sz="3600" b="1" smtClean="0">
-                <a:latin typeface="Arial Black" panose="020B0A04020102020204" pitchFamily="34" charset="0"/>
-              </a:rPr>
-              <a:t>학교 </a:t>
-            </a:r>
-            <a:r>
-              <a:rPr lang="ko-KR" altLang="en-US" sz="3600" b="1" dirty="0" err="1" smtClean="0">
-                <a:latin typeface="Arial Black" panose="020B0A04020102020204" pitchFamily="34" charset="0"/>
-              </a:rPr>
-              <a:t>랭킹전</a:t>
-            </a:r>
-            <a:endParaRPr lang="ko-KR" altLang="en-US" sz="3600" b="1" dirty="0">
-              <a:latin typeface="Arial Black" panose="020B0A04020102020204" pitchFamily="34" charset="0"/>
-            </a:endParaRPr>
-          </a:p>
-        </p:txBody>
-      </p:sp>
-      <p:sp>
-        <p:nvSpPr>
-          <p:cNvPr id="28" name="TextBox 27"/>
-          <p:cNvSpPr txBox="1"/>
-          <p:nvPr/>
-        </p:nvSpPr>
-        <p:spPr>
-          <a:xfrm>
-            <a:off x="6976462" y="1971947"/>
-            <a:ext cx="3093155" cy="1200329"/>
-          </a:xfrm>
-          <a:prstGeom prst="rect">
-            <a:avLst/>
-          </a:prstGeom>
-          <a:noFill/>
-        </p:spPr>
-        <p:txBody>
-          <a:bodyPr wrap="square" rtlCol="0">
-            <a:spAutoFit/>
-          </a:bodyPr>
-          <a:lstStyle/>
-          <a:p>
-            <a:r>
-              <a:rPr lang="ko-KR" altLang="en-US" sz="3600" b="1" dirty="0" smtClean="0">
-                <a:latin typeface="Arial Black" panose="020B0A04020102020204" pitchFamily="34" charset="0"/>
-              </a:rPr>
-              <a:t>출판사와의 </a:t>
-            </a:r>
-            <a:r>
-              <a:rPr lang="ko-KR" altLang="en-US" sz="3600" b="1" dirty="0" err="1" smtClean="0">
-                <a:latin typeface="Arial Black" panose="020B0A04020102020204" pitchFamily="34" charset="0"/>
-              </a:rPr>
-              <a:t>콜라보</a:t>
-            </a:r>
-            <a:endParaRPr lang="ko-KR" altLang="en-US" sz="3600" b="1" dirty="0">
-              <a:latin typeface="Arial Black" panose="020B0A04020102020204" pitchFamily="34" charset="0"/>
-            </a:endParaRPr>
-          </a:p>
-        </p:txBody>
-      </p:sp>
     </p:spTree>
     <p:extLst>
       <p:ext uri="{BB962C8B-B14F-4D97-AF65-F5344CB8AC3E}">
@@ -6368,30 +8848,243 @@
           <a:chExt cx="0" cy="0"/>
         </a:xfrm>
       </p:grpSpPr>
+      <p:sp>
+        <p:nvSpPr>
+          <p:cNvPr id="27" name="TextBox 26"/>
+          <p:cNvSpPr txBox="1"/>
+          <p:nvPr/>
+        </p:nvSpPr>
+        <p:spPr>
+          <a:xfrm>
+            <a:off x="1960112" y="1478723"/>
+            <a:ext cx="2635821" cy="646331"/>
+          </a:xfrm>
+          <a:prstGeom prst="rect">
+            <a:avLst/>
+          </a:prstGeom>
+          <a:noFill/>
+        </p:spPr>
+        <p:txBody>
+          <a:bodyPr wrap="square" rtlCol="0">
+            <a:spAutoFit/>
+          </a:bodyPr>
+          <a:lstStyle/>
+          <a:p>
+            <a:r>
+              <a:rPr lang="ko-KR" altLang="en-US" sz="3600" b="1" dirty="0" smtClean="0">
+                <a:latin typeface="Arial Black" panose="020B0A04020102020204" pitchFamily="34" charset="0"/>
+              </a:rPr>
+              <a:t>학교 </a:t>
+            </a:r>
+            <a:r>
+              <a:rPr lang="ko-KR" altLang="en-US" sz="3600" b="1" dirty="0" err="1" smtClean="0">
+                <a:latin typeface="Arial Black" panose="020B0A04020102020204" pitchFamily="34" charset="0"/>
+              </a:rPr>
+              <a:t>랭킹전</a:t>
+            </a:r>
+            <a:endParaRPr lang="ko-KR" altLang="en-US" sz="3600" b="1" dirty="0">
+              <a:latin typeface="Arial Black" panose="020B0A04020102020204" pitchFamily="34" charset="0"/>
+            </a:endParaRPr>
+          </a:p>
+        </p:txBody>
+      </p:sp>
+      <p:sp>
+        <p:nvSpPr>
+          <p:cNvPr id="28" name="TextBox 27"/>
+          <p:cNvSpPr txBox="1"/>
+          <p:nvPr/>
+        </p:nvSpPr>
+        <p:spPr>
+          <a:xfrm>
+            <a:off x="7833597" y="1386391"/>
+            <a:ext cx="2333792" cy="830997"/>
+          </a:xfrm>
+          <a:prstGeom prst="rect">
+            <a:avLst/>
+          </a:prstGeom>
+          <a:noFill/>
+        </p:spPr>
+        <p:txBody>
+          <a:bodyPr wrap="square" rtlCol="0">
+            <a:spAutoFit/>
+          </a:bodyPr>
+          <a:lstStyle/>
+          <a:p>
+            <a:r>
+              <a:rPr lang="ko-KR" altLang="en-US" sz="2400" b="1" dirty="0" smtClean="0">
+                <a:latin typeface="Arial Black" panose="020B0A04020102020204" pitchFamily="34" charset="0"/>
+              </a:rPr>
+              <a:t>출판사와의 </a:t>
+            </a:r>
+            <a:endParaRPr lang="en-US" altLang="ko-KR" sz="2400" b="1" dirty="0" smtClean="0">
+              <a:latin typeface="Arial Black" panose="020B0A04020102020204" pitchFamily="34" charset="0"/>
+            </a:endParaRPr>
+          </a:p>
+          <a:p>
+            <a:r>
+              <a:rPr lang="en-US" altLang="ko-KR" sz="2400" b="1" dirty="0">
+                <a:latin typeface="Arial Black" panose="020B0A04020102020204" pitchFamily="34" charset="0"/>
+              </a:rPr>
+              <a:t> </a:t>
+            </a:r>
+            <a:r>
+              <a:rPr lang="en-US" altLang="ko-KR" sz="2400" b="1" dirty="0" smtClean="0">
+                <a:latin typeface="Arial Black" panose="020B0A04020102020204" pitchFamily="34" charset="0"/>
+              </a:rPr>
+              <a:t>  </a:t>
+            </a:r>
+            <a:r>
+              <a:rPr lang="ko-KR" altLang="en-US" sz="2400" b="1" dirty="0" smtClean="0">
+                <a:latin typeface="Arial Black" panose="020B0A04020102020204" pitchFamily="34" charset="0"/>
+              </a:rPr>
+              <a:t>콜라보레이션</a:t>
+            </a:r>
+            <a:endParaRPr lang="ko-KR" altLang="en-US" sz="2400" b="1" dirty="0">
+              <a:latin typeface="Arial Black" panose="020B0A04020102020204" pitchFamily="34" charset="0"/>
+            </a:endParaRPr>
+          </a:p>
+        </p:txBody>
+      </p:sp>
+      <p:pic>
+        <p:nvPicPr>
+          <p:cNvPr id="2" name="그림 1"/>
+          <p:cNvPicPr>
+            <a:picLocks noChangeAspect="1"/>
+          </p:cNvPicPr>
+          <p:nvPr/>
+        </p:nvPicPr>
+        <p:blipFill>
+          <a:blip r:embed="rId2"/>
+          <a:stretch>
+            <a:fillRect/>
+          </a:stretch>
+        </p:blipFill>
+        <p:spPr>
+          <a:xfrm>
+            <a:off x="627093" y="2668387"/>
+            <a:ext cx="5301861" cy="2929976"/>
+          </a:xfrm>
+          <a:prstGeom prst="rect">
+            <a:avLst/>
+          </a:prstGeom>
+          <a:ln w="19050">
+            <a:solidFill>
+              <a:schemeClr val="tx1"/>
+            </a:solidFill>
+          </a:ln>
+        </p:spPr>
+      </p:pic>
       <p:grpSp>
         <p:nvGrpSpPr>
-          <p:cNvPr id="2" name="그룹 1"/>
+          <p:cNvPr id="13" name="그룹 12"/>
           <p:cNvGrpSpPr/>
           <p:nvPr/>
         </p:nvGrpSpPr>
         <p:grpSpPr>
           <a:xfrm>
-            <a:off x="268881" y="145918"/>
-            <a:ext cx="3093155" cy="646331"/>
-            <a:chOff x="268881" y="145918"/>
-            <a:chExt cx="3093155" cy="646331"/>
+            <a:off x="7379855" y="2493818"/>
+            <a:ext cx="3239398" cy="3269673"/>
+            <a:chOff x="7379855" y="2493818"/>
+            <a:chExt cx="3239398" cy="3269673"/>
+          </a:xfrm>
+        </p:grpSpPr>
+        <p:pic>
+          <p:nvPicPr>
+            <p:cNvPr id="14" name="그림 13"/>
+            <p:cNvPicPr>
+              <a:picLocks noChangeAspect="1"/>
+            </p:cNvPicPr>
+            <p:nvPr/>
+          </p:nvPicPr>
+          <p:blipFill>
+            <a:blip r:embed="rId3"/>
+            <a:stretch>
+              <a:fillRect/>
+            </a:stretch>
+          </p:blipFill>
+          <p:spPr>
+            <a:xfrm>
+              <a:off x="7381732" y="2505293"/>
+              <a:ext cx="3237521" cy="3256163"/>
+            </a:xfrm>
+            <a:prstGeom prst="rect">
+              <a:avLst/>
+            </a:prstGeom>
+          </p:spPr>
+        </p:pic>
+        <p:sp>
+          <p:nvSpPr>
+            <p:cNvPr id="15" name="직사각형 14"/>
+            <p:cNvSpPr/>
+            <p:nvPr/>
+          </p:nvSpPr>
+          <p:spPr>
+            <a:xfrm>
+              <a:off x="7379855" y="2493818"/>
+              <a:ext cx="3239398" cy="3269673"/>
+            </a:xfrm>
+            <a:prstGeom prst="rect">
+              <a:avLst/>
+            </a:prstGeom>
+            <a:solidFill>
+              <a:schemeClr val="bg1">
+                <a:alpha val="50000"/>
+              </a:schemeClr>
+            </a:solidFill>
+            <a:ln>
+              <a:noFill/>
+            </a:ln>
+          </p:spPr>
+          <p:style>
+            <a:lnRef idx="2">
+              <a:schemeClr val="accent1">
+                <a:shade val="50000"/>
+              </a:schemeClr>
+            </a:lnRef>
+            <a:fillRef idx="1">
+              <a:schemeClr val="accent1"/>
+            </a:fillRef>
+            <a:effectRef idx="0">
+              <a:schemeClr val="accent1"/>
+            </a:effectRef>
+            <a:fontRef idx="minor">
+              <a:schemeClr val="lt1"/>
+            </a:fontRef>
+          </p:style>
+          <p:txBody>
+            <a:bodyPr rtlCol="0" anchor="ctr"/>
+            <a:lstStyle/>
+            <a:p>
+              <a:pPr algn="ctr"/>
+              <a:endParaRPr lang="ko-KR" altLang="en-US"/>
+            </a:p>
+          </p:txBody>
+        </p:sp>
+      </p:grpSp>
+      <p:grpSp>
+        <p:nvGrpSpPr>
+          <p:cNvPr id="11" name="그룹 10"/>
+          <p:cNvGrpSpPr/>
+          <p:nvPr/>
+        </p:nvGrpSpPr>
+        <p:grpSpPr>
+          <a:xfrm>
+            <a:off x="387926" y="230161"/>
+            <a:ext cx="2346038" cy="684000"/>
+            <a:chOff x="387926" y="230161"/>
+            <a:chExt cx="2346038" cy="684000"/>
           </a:xfrm>
         </p:grpSpPr>
         <p:sp>
           <p:nvSpPr>
-            <p:cNvPr id="3" name="TextBox 2"/>
+            <p:cNvPr id="12" name="TextBox 11"/>
             <p:cNvSpPr txBox="1"/>
             <p:nvPr/>
           </p:nvSpPr>
           <p:spPr>
             <a:xfrm>
-              <a:off x="268881" y="145918"/>
-              <a:ext cx="3093155" cy="646331"/>
+              <a:off x="566280" y="248602"/>
+              <a:ext cx="2167684" cy="646331"/>
             </a:xfrm>
             <a:prstGeom prst="rect">
               <a:avLst/>
@@ -6408,7 +9101,7 @@
                 <a:rPr lang="ko-KR" altLang="en-US" sz="3600" b="1" dirty="0" smtClean="0">
                   <a:latin typeface="Arial Black" panose="020B0A04020102020204" pitchFamily="34" charset="0"/>
                 </a:rPr>
-                <a:t>수익화</a:t>
+                <a:t>차별 요소</a:t>
               </a:r>
               <a:endParaRPr lang="ko-KR" altLang="en-US" sz="3600" b="1" dirty="0">
                 <a:latin typeface="Arial Black" panose="020B0A04020102020204" pitchFamily="34" charset="0"/>
@@ -6418,19 +9111,19 @@
         </p:sp>
         <p:cxnSp>
           <p:nvCxnSpPr>
-            <p:cNvPr id="4" name="직선 연결선 3"/>
+            <p:cNvPr id="16" name="직선 연결선 15"/>
             <p:cNvCxnSpPr/>
             <p:nvPr/>
           </p:nvCxnSpPr>
           <p:spPr>
             <a:xfrm>
-              <a:off x="397164" y="757475"/>
-              <a:ext cx="1350000" cy="0"/>
+              <a:off x="387926" y="230161"/>
+              <a:ext cx="0" cy="684000"/>
             </a:xfrm>
             <a:prstGeom prst="line">
               <a:avLst/>
             </a:prstGeom>
-            <a:ln w="38100">
+            <a:ln w="63500">
               <a:solidFill>
                 <a:schemeClr val="tx1"/>
               </a:solidFill>
@@ -6452,108 +9145,10 @@
           </p:style>
         </p:cxnSp>
       </p:grpSp>
-      <p:sp>
-        <p:nvSpPr>
-          <p:cNvPr id="5" name="TextBox 4"/>
-          <p:cNvSpPr txBox="1"/>
-          <p:nvPr/>
-        </p:nvSpPr>
-        <p:spPr>
-          <a:xfrm>
-            <a:off x="2254833" y="2104951"/>
-            <a:ext cx="4403662" cy="646331"/>
-          </a:xfrm>
-          <a:prstGeom prst="rect">
-            <a:avLst/>
-          </a:prstGeom>
-          <a:noFill/>
-        </p:spPr>
-        <p:txBody>
-          <a:bodyPr wrap="square" rtlCol="0">
-            <a:spAutoFit/>
-          </a:bodyPr>
-          <a:lstStyle/>
-          <a:p>
-            <a:r>
-              <a:rPr lang="ko-KR" altLang="en-US" sz="3600" b="1" dirty="0" smtClean="0">
-                <a:latin typeface="Arial Black" panose="020B0A04020102020204" pitchFamily="34" charset="0"/>
-              </a:rPr>
-              <a:t>출판사 </a:t>
-            </a:r>
-            <a:r>
-              <a:rPr lang="ko-KR" altLang="en-US" sz="3600" b="1" smtClean="0">
-                <a:latin typeface="Arial Black" panose="020B0A04020102020204" pitchFamily="34" charset="0"/>
-              </a:rPr>
-              <a:t>솔루션 </a:t>
-            </a:r>
-            <a:r>
-              <a:rPr lang="ko-KR" altLang="en-US" sz="3600" b="1" smtClean="0">
-                <a:latin typeface="Arial Black" panose="020B0A04020102020204" pitchFamily="34" charset="0"/>
-              </a:rPr>
-              <a:t>제공</a:t>
-            </a:r>
-            <a:endParaRPr lang="ko-KR" altLang="en-US" sz="3600" b="1" dirty="0">
-              <a:latin typeface="Arial Black" panose="020B0A04020102020204" pitchFamily="34" charset="0"/>
-            </a:endParaRPr>
-          </a:p>
-        </p:txBody>
-      </p:sp>
-      <p:sp>
-        <p:nvSpPr>
-          <p:cNvPr id="6" name="TextBox 5"/>
-          <p:cNvSpPr txBox="1"/>
-          <p:nvPr/>
-        </p:nvSpPr>
-        <p:spPr>
-          <a:xfrm>
-            <a:off x="2254833" y="3662202"/>
-            <a:ext cx="4711232" cy="646331"/>
-          </a:xfrm>
-          <a:prstGeom prst="rect">
-            <a:avLst/>
-          </a:prstGeom>
-          <a:noFill/>
-        </p:spPr>
-        <p:txBody>
-          <a:bodyPr wrap="square" rtlCol="0">
-            <a:spAutoFit/>
-          </a:bodyPr>
-          <a:lstStyle/>
-          <a:p>
-            <a:r>
-              <a:rPr lang="en-US" altLang="ko-KR" sz="3600" b="1" dirty="0" smtClean="0">
-                <a:latin typeface="Arial Black" panose="020B0A04020102020204" pitchFamily="34" charset="0"/>
-              </a:rPr>
-              <a:t>15</a:t>
-            </a:r>
-            <a:r>
-              <a:rPr lang="ko-KR" altLang="en-US" sz="3600" b="1" dirty="0" smtClean="0">
-                <a:latin typeface="Arial Black" panose="020B0A04020102020204" pitchFamily="34" charset="0"/>
-              </a:rPr>
-              <a:t>페이지</a:t>
-            </a:r>
-            <a:r>
-              <a:rPr lang="en-US" altLang="ko-KR" sz="3600" b="1" dirty="0" smtClean="0">
-                <a:latin typeface="Arial Black" panose="020B0A04020102020204" pitchFamily="34" charset="0"/>
-              </a:rPr>
-              <a:t>~35</a:t>
-            </a:r>
-            <a:r>
-              <a:rPr lang="ko-KR" altLang="en-US" sz="3600" b="1" dirty="0" smtClean="0">
-                <a:latin typeface="Arial Black" panose="020B0A04020102020204" pitchFamily="34" charset="0"/>
-              </a:rPr>
-              <a:t>페이지</a:t>
-            </a:r>
-            <a:endParaRPr lang="ko-KR" altLang="en-US" sz="3600" b="1" dirty="0">
-              <a:latin typeface="Arial Black" panose="020B0A04020102020204" pitchFamily="34" charset="0"/>
-            </a:endParaRPr>
-          </a:p>
-        </p:txBody>
-      </p:sp>
     </p:spTree>
     <p:extLst>
       <p:ext uri="{BB962C8B-B14F-4D97-AF65-F5344CB8AC3E}">
-        <p14:creationId xmlns:p14="http://schemas.microsoft.com/office/powerpoint/2010/main" val="3872720070"/>
+        <p14:creationId xmlns:p14="http://schemas.microsoft.com/office/powerpoint/2010/main" val="454387345"/>
       </p:ext>
     </p:extLst>
   </p:cSld>
